--- a/PB Phase-3- Team-11/PB Visualization Presentation.pptx
+++ b/PB Phase-3- Team-11/PB Visualization Presentation.pptx
@@ -1,11 +1,17 @@
 
 <file path=ppt/presentation.xml><?xml version="1.0" encoding="utf-8"?>
-<p:presentation xmlns:a="http://schemas.openxmlformats.org/drawingml/2006/main" xmlns:r="http://schemas.openxmlformats.org/officeDocument/2006/relationships" xmlns:p="http://schemas.openxmlformats.org/presentationml/2006/main" saveSubsetFonts="1">
+<p:presentation xmlns:a="http://schemas.openxmlformats.org/drawingml/2006/main" xmlns:r="http://schemas.openxmlformats.org/officeDocument/2006/relationships" xmlns:p="http://schemas.openxmlformats.org/presentationml/2006/main" autoCompressPictures="0">
   <p:sldMasterIdLst>
-    <p:sldMasterId id="2147483648" r:id="rId1"/>
+    <p:sldMasterId id="2147483840" r:id="rId1"/>
   </p:sldMasterIdLst>
   <p:sldIdLst>
     <p:sldId id="256" r:id="rId2"/>
+    <p:sldId id="258" r:id="rId3"/>
+    <p:sldId id="259" r:id="rId4"/>
+    <p:sldId id="261" r:id="rId5"/>
+    <p:sldId id="262" r:id="rId6"/>
+    <p:sldId id="263" r:id="rId7"/>
+    <p:sldId id="264" r:id="rId8"/>
   </p:sldIdLst>
   <p:sldSz cx="12192000" cy="6858000"/>
   <p:notesSz cx="6858000" cy="9144000"/>
@@ -13,7 +19,7 @@
     <a:defPPr>
       <a:defRPr lang="en-US"/>
     </a:defPPr>
-    <a:lvl1pPr marL="0" algn="l" defTabSz="914400" rtl="0" eaLnBrk="1" latinLnBrk="0" hangingPunct="1">
+    <a:lvl1pPr marL="0" algn="l" defTabSz="457200" rtl="0" eaLnBrk="1" latinLnBrk="0" hangingPunct="1">
       <a:defRPr sz="1800" kern="1200">
         <a:solidFill>
           <a:schemeClr val="tx1"/>
@@ -23,7 +29,7 @@
         <a:cs typeface="+mn-cs"/>
       </a:defRPr>
     </a:lvl1pPr>
-    <a:lvl2pPr marL="457200" algn="l" defTabSz="914400" rtl="0" eaLnBrk="1" latinLnBrk="0" hangingPunct="1">
+    <a:lvl2pPr marL="457200" algn="l" defTabSz="457200" rtl="0" eaLnBrk="1" latinLnBrk="0" hangingPunct="1">
       <a:defRPr sz="1800" kern="1200">
         <a:solidFill>
           <a:schemeClr val="tx1"/>
@@ -33,7 +39,7 @@
         <a:cs typeface="+mn-cs"/>
       </a:defRPr>
     </a:lvl2pPr>
-    <a:lvl3pPr marL="914400" algn="l" defTabSz="914400" rtl="0" eaLnBrk="1" latinLnBrk="0" hangingPunct="1">
+    <a:lvl3pPr marL="914400" algn="l" defTabSz="457200" rtl="0" eaLnBrk="1" latinLnBrk="0" hangingPunct="1">
       <a:defRPr sz="1800" kern="1200">
         <a:solidFill>
           <a:schemeClr val="tx1"/>
@@ -43,7 +49,7 @@
         <a:cs typeface="+mn-cs"/>
       </a:defRPr>
     </a:lvl3pPr>
-    <a:lvl4pPr marL="1371600" algn="l" defTabSz="914400" rtl="0" eaLnBrk="1" latinLnBrk="0" hangingPunct="1">
+    <a:lvl4pPr marL="1371600" algn="l" defTabSz="457200" rtl="0" eaLnBrk="1" latinLnBrk="0" hangingPunct="1">
       <a:defRPr sz="1800" kern="1200">
         <a:solidFill>
           <a:schemeClr val="tx1"/>
@@ -53,7 +59,7 @@
         <a:cs typeface="+mn-cs"/>
       </a:defRPr>
     </a:lvl4pPr>
-    <a:lvl5pPr marL="1828800" algn="l" defTabSz="914400" rtl="0" eaLnBrk="1" latinLnBrk="0" hangingPunct="1">
+    <a:lvl5pPr marL="1828800" algn="l" defTabSz="457200" rtl="0" eaLnBrk="1" latinLnBrk="0" hangingPunct="1">
       <a:defRPr sz="1800" kern="1200">
         <a:solidFill>
           <a:schemeClr val="tx1"/>
@@ -63,7 +69,7 @@
         <a:cs typeface="+mn-cs"/>
       </a:defRPr>
     </a:lvl5pPr>
-    <a:lvl6pPr marL="2286000" algn="l" defTabSz="914400" rtl="0" eaLnBrk="1" latinLnBrk="0" hangingPunct="1">
+    <a:lvl6pPr marL="2286000" algn="l" defTabSz="457200" rtl="0" eaLnBrk="1" latinLnBrk="0" hangingPunct="1">
       <a:defRPr sz="1800" kern="1200">
         <a:solidFill>
           <a:schemeClr val="tx1"/>
@@ -73,7 +79,7 @@
         <a:cs typeface="+mn-cs"/>
       </a:defRPr>
     </a:lvl6pPr>
-    <a:lvl7pPr marL="2743200" algn="l" defTabSz="914400" rtl="0" eaLnBrk="1" latinLnBrk="0" hangingPunct="1">
+    <a:lvl7pPr marL="2743200" algn="l" defTabSz="457200" rtl="0" eaLnBrk="1" latinLnBrk="0" hangingPunct="1">
       <a:defRPr sz="1800" kern="1200">
         <a:solidFill>
           <a:schemeClr val="tx1"/>
@@ -83,7 +89,7 @@
         <a:cs typeface="+mn-cs"/>
       </a:defRPr>
     </a:lvl7pPr>
-    <a:lvl8pPr marL="3200400" algn="l" defTabSz="914400" rtl="0" eaLnBrk="1" latinLnBrk="0" hangingPunct="1">
+    <a:lvl8pPr marL="3200400" algn="l" defTabSz="457200" rtl="0" eaLnBrk="1" latinLnBrk="0" hangingPunct="1">
       <a:defRPr sz="1800" kern="1200">
         <a:solidFill>
           <a:schemeClr val="tx1"/>
@@ -93,7 +99,7 @@
         <a:cs typeface="+mn-cs"/>
       </a:defRPr>
     </a:lvl8pPr>
-    <a:lvl9pPr marL="3657600" algn="l" defTabSz="914400" rtl="0" eaLnBrk="1" latinLnBrk="0" hangingPunct="1">
+    <a:lvl9pPr marL="3657600" algn="l" defTabSz="457200" rtl="0" eaLnBrk="1" latinLnBrk="0" hangingPunct="1">
       <a:defRPr sz="1800" kern="1200">
         <a:solidFill>
           <a:schemeClr val="tx1"/>
@@ -104,11 +110,16 @@
       </a:defRPr>
     </a:lvl9pPr>
   </p:defaultTextStyle>
+  <p:extLst>
+    <p:ext uri="{EFAFB233-063F-42B5-8137-9DF3F51BA10A}">
+      <p15:sldGuideLst xmlns:p15="http://schemas.microsoft.com/office/powerpoint/2012/main"/>
+    </p:ext>
+  </p:extLst>
 </p:presentation>
 </file>
 
 <file path=ppt/slideLayouts/slideLayout1.xml><?xml version="1.0" encoding="utf-8"?>
-<p:sldLayout xmlns:a="http://schemas.openxmlformats.org/drawingml/2006/main" xmlns:r="http://schemas.openxmlformats.org/officeDocument/2006/relationships" xmlns:p="http://schemas.openxmlformats.org/presentationml/2006/main" type="title" preserve="1">
+<p:sldLayout xmlns:a="http://schemas.openxmlformats.org/drawingml/2006/main" xmlns:r="http://schemas.openxmlformats.org/officeDocument/2006/relationships" xmlns:p="http://schemas.openxmlformats.org/presentationml/2006/main" showMasterSp="0" type="title" preserve="1">
   <p:cSld name="Title Slide">
     <p:spTree>
       <p:nvGrpSpPr>
@@ -126,25 +137,109 @@
       </p:grpSpPr>
       <p:sp>
         <p:nvSpPr>
-          <p:cNvPr id="2" name="Title 1"/>
-          <p:cNvSpPr>
-            <a:spLocks noGrp="1"/>
-          </p:cNvSpPr>
-          <p:nvPr>
-            <p:ph type="ctrTitle"/>
-          </p:nvPr>
+          <p:cNvPr id="7" name="Rectangle 6"/>
+          <p:cNvSpPr/>
+          <p:nvPr/>
         </p:nvSpPr>
         <p:spPr>
           <a:xfrm>
-            <a:off x="1524000" y="1122363"/>
-            <a:ext cx="9144000" cy="2387600"/>
+            <a:off x="0" y="761999"/>
+            <a:ext cx="9141619" cy="5334001"/>
+          </a:xfrm>
+          <a:prstGeom prst="rect">
+            <a:avLst/>
+          </a:prstGeom>
+          <a:solidFill>
+            <a:schemeClr val="accent1"/>
+          </a:solidFill>
+          <a:ln>
+            <a:noFill/>
+          </a:ln>
+        </p:spPr>
+        <p:style>
+          <a:lnRef idx="2">
+            <a:schemeClr val="accent1">
+              <a:shade val="50000"/>
+            </a:schemeClr>
+          </a:lnRef>
+          <a:fillRef idx="1">
+            <a:schemeClr val="accent1"/>
+          </a:fillRef>
+          <a:effectRef idx="0">
+            <a:schemeClr val="accent1"/>
+          </a:effectRef>
+          <a:fontRef idx="minor">
+            <a:schemeClr val="lt1"/>
+          </a:fontRef>
+        </p:style>
+      </p:sp>
+      <p:sp>
+        <p:nvSpPr>
+          <p:cNvPr id="8" name="Rectangle 7"/>
+          <p:cNvSpPr/>
+          <p:nvPr/>
+        </p:nvSpPr>
+        <p:spPr>
+          <a:xfrm>
+            <a:off x="9270263" y="761999"/>
+            <a:ext cx="2925318" cy="5334001"/>
+          </a:xfrm>
+          <a:prstGeom prst="rect">
+            <a:avLst/>
+          </a:prstGeom>
+          <a:solidFill>
+            <a:srgbClr val="C8C8C8">
+              <a:alpha val="49804"/>
+            </a:srgbClr>
+          </a:solidFill>
+          <a:ln>
+            <a:noFill/>
+          </a:ln>
+        </p:spPr>
+        <p:style>
+          <a:lnRef idx="2">
+            <a:schemeClr val="accent1">
+              <a:shade val="50000"/>
+            </a:schemeClr>
+          </a:lnRef>
+          <a:fillRef idx="1">
+            <a:schemeClr val="accent1"/>
+          </a:fillRef>
+          <a:effectRef idx="0">
+            <a:schemeClr val="accent1"/>
+          </a:effectRef>
+          <a:fontRef idx="minor">
+            <a:schemeClr val="lt1"/>
+          </a:fontRef>
+        </p:style>
+      </p:sp>
+      <p:sp>
+        <p:nvSpPr>
+          <p:cNvPr id="2" name="Title 1"/>
+          <p:cNvSpPr>
+            <a:spLocks noGrp="1"/>
+          </p:cNvSpPr>
+          <p:nvPr>
+            <p:ph type="ctrTitle"/>
+          </p:nvPr>
+        </p:nvSpPr>
+        <p:spPr>
+          <a:xfrm>
+            <a:off x="1069848" y="1298448"/>
+            <a:ext cx="7315200" cy="3255264"/>
           </a:xfrm>
         </p:spPr>
         <p:txBody>
-          <a:bodyPr anchor="b"/>
+          <a:bodyPr anchor="b">
+            <a:normAutofit/>
+          </a:bodyPr>
           <a:lstStyle>
-            <a:lvl1pPr algn="ctr">
-              <a:defRPr sz="6000"/>
+            <a:lvl1pPr algn="l">
+              <a:defRPr sz="5900" spc="-100" baseline="0">
+                <a:solidFill>
+                  <a:srgbClr val="FFFFFF"/>
+                </a:solidFill>
+              </a:defRPr>
             </a:lvl1pPr>
           </a:lstStyle>
           <a:p>
@@ -152,7 +247,7 @@
               <a:rPr lang="en-US"/>
               <a:t>Click to edit Master title style</a:t>
             </a:r>
-            <a:endParaRPr lang="en-US"/>
+            <a:endParaRPr lang="en-US" dirty="0"/>
           </a:p>
         </p:txBody>
       </p:sp>
@@ -168,48 +263,57 @@
         </p:nvSpPr>
         <p:spPr>
           <a:xfrm>
-            <a:off x="1524000" y="3602038"/>
-            <a:ext cx="9144000" cy="1655762"/>
+            <a:off x="1100015" y="4670246"/>
+            <a:ext cx="7315200" cy="914400"/>
           </a:xfrm>
         </p:spPr>
         <p:txBody>
-          <a:bodyPr/>
+          <a:bodyPr anchor="t">
+            <a:normAutofit/>
+          </a:bodyPr>
           <a:lstStyle>
-            <a:lvl1pPr marL="0" indent="0" algn="ctr">
-              <a:buNone/>
-              <a:defRPr sz="2400"/>
+            <a:lvl1pPr marL="0" indent="0" algn="l">
+              <a:buNone/>
+              <a:defRPr sz="2200" cap="none" spc="0" baseline="0">
+                <a:solidFill>
+                  <a:schemeClr val="accent1">
+                    <a:lumMod val="20000"/>
+                    <a:lumOff val="80000"/>
+                  </a:schemeClr>
+                </a:solidFill>
+              </a:defRPr>
             </a:lvl1pPr>
             <a:lvl2pPr marL="457200" indent="0" algn="ctr">
               <a:buNone/>
-              <a:defRPr sz="2000"/>
+              <a:defRPr sz="2200"/>
             </a:lvl2pPr>
             <a:lvl3pPr marL="914400" indent="0" algn="ctr">
               <a:buNone/>
-              <a:defRPr sz="1800"/>
+              <a:defRPr sz="2200"/>
             </a:lvl3pPr>
             <a:lvl4pPr marL="1371600" indent="0" algn="ctr">
               <a:buNone/>
-              <a:defRPr sz="1600"/>
+              <a:defRPr sz="2000"/>
             </a:lvl4pPr>
             <a:lvl5pPr marL="1828800" indent="0" algn="ctr">
               <a:buNone/>
-              <a:defRPr sz="1600"/>
+              <a:defRPr sz="2000"/>
             </a:lvl5pPr>
             <a:lvl6pPr marL="2286000" indent="0" algn="ctr">
               <a:buNone/>
-              <a:defRPr sz="1600"/>
+              <a:defRPr sz="2000"/>
             </a:lvl6pPr>
             <a:lvl7pPr marL="2743200" indent="0" algn="ctr">
               <a:buNone/>
-              <a:defRPr sz="1600"/>
+              <a:defRPr sz="2000"/>
             </a:lvl7pPr>
             <a:lvl8pPr marL="3200400" indent="0" algn="ctr">
               <a:buNone/>
-              <a:defRPr sz="1600"/>
+              <a:defRPr sz="2000"/>
             </a:lvl8pPr>
             <a:lvl9pPr marL="3657600" indent="0" algn="ctr">
               <a:buNone/>
-              <a:defRPr sz="1600"/>
+              <a:defRPr sz="2000"/>
             </a:lvl9pPr>
           </a:lstStyle>
           <a:p>
@@ -217,7 +321,7 @@
               <a:rPr lang="en-US"/>
               <a:t>Click to edit Master subtitle style</a:t>
             </a:r>
-            <a:endParaRPr lang="en-US"/>
+            <a:endParaRPr lang="en-US" dirty="0"/>
           </a:p>
         </p:txBody>
       </p:sp>
@@ -236,11 +340,12 @@
           <a:bodyPr/>
           <a:lstStyle/>
           <a:p>
-            <a:fld id="{C4A4970A-6E2E-46B0-9CE5-28B580A54636}" type="datetimeFigureOut">
-              <a:rPr lang="en-US" smtClean="0"/>
-              <a:t>12/3/2016</a:t>
+            <a:fld id="{5586B75A-687E-405C-8A0B-8D00578BA2C3}" type="datetimeFigureOut">
+              <a:rPr lang="en-US" dirty="0"/>
+              <a:pPr/>
+              <a:t>12/4/2016</a:t>
             </a:fld>
-            <a:endParaRPr lang="en-US"/>
+            <a:endParaRPr lang="en-US" dirty="0"/>
           </a:p>
         </p:txBody>
       </p:sp>
@@ -259,7 +364,7 @@
           <a:bodyPr/>
           <a:lstStyle/>
           <a:p>
-            <a:endParaRPr lang="en-US"/>
+            <a:endParaRPr lang="en-US" dirty="0"/>
           </a:p>
         </p:txBody>
       </p:sp>
@@ -278,20 +383,16 @@
           <a:bodyPr/>
           <a:lstStyle/>
           <a:p>
-            <a:fld id="{89DC04F5-8B4C-45C6-8E04-EA77C5C47A95}" type="slidenum">
-              <a:rPr lang="en-US" smtClean="0"/>
+            <a:fld id="{4FAB73BC-B049-4115-A692-8D63A059BFB8}" type="slidenum">
+              <a:rPr lang="en-US" dirty="0"/>
+              <a:pPr/>
               <a:t>‹#›</a:t>
             </a:fld>
-            <a:endParaRPr lang="en-US"/>
+            <a:endParaRPr lang="en-US" dirty="0"/>
           </a:p>
         </p:txBody>
       </p:sp>
     </p:spTree>
-    <p:extLst>
-      <p:ext uri="{BB962C8B-B14F-4D97-AF65-F5344CB8AC3E}">
-        <p14:creationId xmlns:p14="http://schemas.microsoft.com/office/powerpoint/2010/main" val="2422587958"/>
-      </p:ext>
-    </p:extLst>
   </p:cSld>
   <p:clrMapOvr>
     <a:masterClrMapping/>
@@ -335,7 +436,7 @@
               <a:rPr lang="en-US"/>
               <a:t>Click to edit Master title style</a:t>
             </a:r>
-            <a:endParaRPr lang="en-US"/>
+            <a:endParaRPr lang="en-US" dirty="0"/>
           </a:p>
         </p:txBody>
       </p:sp>
@@ -351,7 +452,7 @@
         </p:nvSpPr>
         <p:spPr/>
         <p:txBody>
-          <a:bodyPr vert="eaVert"/>
+          <a:bodyPr vert="eaVert" anchor="t"/>
           <a:lstStyle/>
           <a:p>
             <a:pPr lvl="0"/>
@@ -387,13 +488,13 @@
               <a:rPr lang="en-US"/>
               <a:t>Fifth level</a:t>
             </a:r>
-            <a:endParaRPr lang="en-US"/>
-          </a:p>
-        </p:txBody>
-      </p:sp>
-      <p:sp>
-        <p:nvSpPr>
-          <p:cNvPr id="4" name="Date Placeholder 3"/>
+            <a:endParaRPr lang="en-US" dirty="0"/>
+          </a:p>
+        </p:txBody>
+      </p:sp>
+      <p:sp>
+        <p:nvSpPr>
+          <p:cNvPr id="7" name="Date Placeholder 6"/>
           <p:cNvSpPr>
             <a:spLocks noGrp="1"/>
           </p:cNvSpPr>
@@ -406,17 +507,18 @@
           <a:bodyPr/>
           <a:lstStyle/>
           <a:p>
-            <a:fld id="{C4A4970A-6E2E-46B0-9CE5-28B580A54636}" type="datetimeFigureOut">
-              <a:rPr lang="en-US" smtClean="0"/>
-              <a:t>12/3/2016</a:t>
+            <a:fld id="{5586B75A-687E-405C-8A0B-8D00578BA2C3}" type="datetimeFigureOut">
+              <a:rPr lang="en-US" dirty="0"/>
+              <a:pPr/>
+              <a:t>12/4/2016</a:t>
             </a:fld>
-            <a:endParaRPr lang="en-US"/>
-          </a:p>
-        </p:txBody>
-      </p:sp>
-      <p:sp>
-        <p:nvSpPr>
-          <p:cNvPr id="5" name="Footer Placeholder 4"/>
+            <a:endParaRPr lang="en-US" dirty="0"/>
+          </a:p>
+        </p:txBody>
+      </p:sp>
+      <p:sp>
+        <p:nvSpPr>
+          <p:cNvPr id="8" name="Footer Placeholder 7"/>
           <p:cNvSpPr>
             <a:spLocks noGrp="1"/>
           </p:cNvSpPr>
@@ -429,13 +531,13 @@
           <a:bodyPr/>
           <a:lstStyle/>
           <a:p>
-            <a:endParaRPr lang="en-US"/>
-          </a:p>
-        </p:txBody>
-      </p:sp>
-      <p:sp>
-        <p:nvSpPr>
-          <p:cNvPr id="6" name="Slide Number Placeholder 5"/>
+            <a:endParaRPr lang="en-US" dirty="0"/>
+          </a:p>
+        </p:txBody>
+      </p:sp>
+      <p:sp>
+        <p:nvSpPr>
+          <p:cNvPr id="9" name="Slide Number Placeholder 8"/>
           <p:cNvSpPr>
             <a:spLocks noGrp="1"/>
           </p:cNvSpPr>
@@ -448,20 +550,16 @@
           <a:bodyPr/>
           <a:lstStyle/>
           <a:p>
-            <a:fld id="{89DC04F5-8B4C-45C6-8E04-EA77C5C47A95}" type="slidenum">
-              <a:rPr lang="en-US" smtClean="0"/>
+            <a:fld id="{4FAB73BC-B049-4115-A692-8D63A059BFB8}" type="slidenum">
+              <a:rPr lang="en-US" dirty="0"/>
+              <a:pPr/>
               <a:t>‹#›</a:t>
             </a:fld>
-            <a:endParaRPr lang="en-US"/>
+            <a:endParaRPr lang="en-US" dirty="0"/>
           </a:p>
         </p:txBody>
       </p:sp>
     </p:spTree>
-    <p:extLst>
-      <p:ext uri="{BB962C8B-B14F-4D97-AF65-F5344CB8AC3E}">
-        <p14:creationId xmlns:p14="http://schemas.microsoft.com/office/powerpoint/2010/main" val="1584257815"/>
-      </p:ext>
-    </p:extLst>
   </p:cSld>
   <p:clrMapOvr>
     <a:masterClrMapping/>
@@ -498,8 +596,8 @@
         </p:nvSpPr>
         <p:spPr>
           <a:xfrm>
-            <a:off x="8724900" y="365125"/>
-            <a:ext cx="2628900" cy="5811838"/>
+            <a:off x="381000" y="990600"/>
+            <a:ext cx="2819400" cy="4953000"/>
           </a:xfrm>
         </p:spPr>
         <p:txBody>
@@ -510,7 +608,7 @@
               <a:rPr lang="en-US"/>
               <a:t>Click to edit Master title style</a:t>
             </a:r>
-            <a:endParaRPr lang="en-US"/>
+            <a:endParaRPr lang="en-US" dirty="0"/>
           </a:p>
         </p:txBody>
       </p:sp>
@@ -526,12 +624,12 @@
         </p:nvSpPr>
         <p:spPr>
           <a:xfrm>
-            <a:off x="838200" y="365125"/>
-            <a:ext cx="7734300" cy="5811838"/>
+            <a:off x="3867912" y="868680"/>
+            <a:ext cx="7315200" cy="5120640"/>
           </a:xfrm>
         </p:spPr>
         <p:txBody>
-          <a:bodyPr vert="eaVert"/>
+          <a:bodyPr vert="eaVert" anchor="t"/>
           <a:lstStyle/>
           <a:p>
             <a:pPr lvl="0"/>
@@ -567,13 +665,13 @@
               <a:rPr lang="en-US"/>
               <a:t>Fifth level</a:t>
             </a:r>
-            <a:endParaRPr lang="en-US"/>
-          </a:p>
-        </p:txBody>
-      </p:sp>
-      <p:sp>
-        <p:nvSpPr>
-          <p:cNvPr id="4" name="Date Placeholder 3"/>
+            <a:endParaRPr lang="en-US" dirty="0"/>
+          </a:p>
+        </p:txBody>
+      </p:sp>
+      <p:sp>
+        <p:nvSpPr>
+          <p:cNvPr id="7" name="Date Placeholder 6"/>
           <p:cNvSpPr>
             <a:spLocks noGrp="1"/>
           </p:cNvSpPr>
@@ -586,17 +684,18 @@
           <a:bodyPr/>
           <a:lstStyle/>
           <a:p>
-            <a:fld id="{C4A4970A-6E2E-46B0-9CE5-28B580A54636}" type="datetimeFigureOut">
-              <a:rPr lang="en-US" smtClean="0"/>
-              <a:t>12/3/2016</a:t>
+            <a:fld id="{5586B75A-687E-405C-8A0B-8D00578BA2C3}" type="datetimeFigureOut">
+              <a:rPr lang="en-US" dirty="0"/>
+              <a:pPr/>
+              <a:t>12/4/2016</a:t>
             </a:fld>
-            <a:endParaRPr lang="en-US"/>
-          </a:p>
-        </p:txBody>
-      </p:sp>
-      <p:sp>
-        <p:nvSpPr>
-          <p:cNvPr id="5" name="Footer Placeholder 4"/>
+            <a:endParaRPr lang="en-US" dirty="0"/>
+          </a:p>
+        </p:txBody>
+      </p:sp>
+      <p:sp>
+        <p:nvSpPr>
+          <p:cNvPr id="8" name="Footer Placeholder 7"/>
           <p:cNvSpPr>
             <a:spLocks noGrp="1"/>
           </p:cNvSpPr>
@@ -609,13 +708,13 @@
           <a:bodyPr/>
           <a:lstStyle/>
           <a:p>
-            <a:endParaRPr lang="en-US"/>
-          </a:p>
-        </p:txBody>
-      </p:sp>
-      <p:sp>
-        <p:nvSpPr>
-          <p:cNvPr id="6" name="Slide Number Placeholder 5"/>
+            <a:endParaRPr lang="en-US" dirty="0"/>
+          </a:p>
+        </p:txBody>
+      </p:sp>
+      <p:sp>
+        <p:nvSpPr>
+          <p:cNvPr id="9" name="Slide Number Placeholder 8"/>
           <p:cNvSpPr>
             <a:spLocks noGrp="1"/>
           </p:cNvSpPr>
@@ -628,20 +727,16 @@
           <a:bodyPr/>
           <a:lstStyle/>
           <a:p>
-            <a:fld id="{89DC04F5-8B4C-45C6-8E04-EA77C5C47A95}" type="slidenum">
-              <a:rPr lang="en-US" smtClean="0"/>
+            <a:fld id="{4FAB73BC-B049-4115-A692-8D63A059BFB8}" type="slidenum">
+              <a:rPr lang="en-US" dirty="0"/>
+              <a:pPr/>
               <a:t>‹#›</a:t>
             </a:fld>
-            <a:endParaRPr lang="en-US"/>
+            <a:endParaRPr lang="en-US" dirty="0"/>
           </a:p>
         </p:txBody>
       </p:sp>
     </p:spTree>
-    <p:extLst>
-      <p:ext uri="{BB962C8B-B14F-4D97-AF65-F5344CB8AC3E}">
-        <p14:creationId xmlns:p14="http://schemas.microsoft.com/office/powerpoint/2010/main" val="3223133667"/>
-      </p:ext>
-    </p:extLst>
   </p:cSld>
   <p:clrMapOvr>
     <a:masterClrMapping/>
@@ -685,7 +780,7 @@
               <a:rPr lang="en-US"/>
               <a:t>Click to edit Master title style</a:t>
             </a:r>
-            <a:endParaRPr lang="en-US"/>
+            <a:endParaRPr lang="en-US" dirty="0"/>
           </a:p>
         </p:txBody>
       </p:sp>
@@ -737,7 +832,7 @@
               <a:rPr lang="en-US"/>
               <a:t>Fifth level</a:t>
             </a:r>
-            <a:endParaRPr lang="en-US"/>
+            <a:endParaRPr lang="en-US" dirty="0"/>
           </a:p>
         </p:txBody>
       </p:sp>
@@ -756,11 +851,12 @@
           <a:bodyPr/>
           <a:lstStyle/>
           <a:p>
-            <a:fld id="{C4A4970A-6E2E-46B0-9CE5-28B580A54636}" type="datetimeFigureOut">
-              <a:rPr lang="en-US" smtClean="0"/>
-              <a:t>12/3/2016</a:t>
+            <a:fld id="{5586B75A-687E-405C-8A0B-8D00578BA2C3}" type="datetimeFigureOut">
+              <a:rPr lang="en-US" dirty="0"/>
+              <a:pPr/>
+              <a:t>12/4/2016</a:t>
             </a:fld>
-            <a:endParaRPr lang="en-US"/>
+            <a:endParaRPr lang="en-US" dirty="0"/>
           </a:p>
         </p:txBody>
       </p:sp>
@@ -779,7 +875,7 @@
           <a:bodyPr/>
           <a:lstStyle/>
           <a:p>
-            <a:endParaRPr lang="en-US"/>
+            <a:endParaRPr lang="en-US" dirty="0"/>
           </a:p>
         </p:txBody>
       </p:sp>
@@ -798,20 +894,16 @@
           <a:bodyPr/>
           <a:lstStyle/>
           <a:p>
-            <a:fld id="{89DC04F5-8B4C-45C6-8E04-EA77C5C47A95}" type="slidenum">
-              <a:rPr lang="en-US" smtClean="0"/>
+            <a:fld id="{4FAB73BC-B049-4115-A692-8D63A059BFB8}" type="slidenum">
+              <a:rPr lang="en-US" dirty="0"/>
+              <a:pPr/>
               <a:t>‹#›</a:t>
             </a:fld>
-            <a:endParaRPr lang="en-US"/>
+            <a:endParaRPr lang="en-US" dirty="0"/>
           </a:p>
         </p:txBody>
       </p:sp>
     </p:spTree>
-    <p:extLst>
-      <p:ext uri="{BB962C8B-B14F-4D97-AF65-F5344CB8AC3E}">
-        <p14:creationId xmlns:p14="http://schemas.microsoft.com/office/powerpoint/2010/main" val="3924132967"/>
-      </p:ext>
-    </p:extLst>
   </p:cSld>
   <p:clrMapOvr>
     <a:masterClrMapping/>
@@ -848,15 +940,24 @@
         </p:nvSpPr>
         <p:spPr>
           <a:xfrm>
-            <a:off x="831850" y="1709738"/>
-            <a:ext cx="10515600" cy="2852737"/>
+            <a:off x="3867912" y="1298448"/>
+            <a:ext cx="7315200" cy="3255264"/>
           </a:xfrm>
         </p:spPr>
         <p:txBody>
-          <a:bodyPr anchor="b"/>
+          <a:bodyPr anchor="b">
+            <a:normAutofit/>
+          </a:bodyPr>
           <a:lstStyle>
             <a:lvl1pPr>
-              <a:defRPr sz="6000"/>
+              <a:defRPr sz="5900" b="0" spc="-100" baseline="0">
+                <a:solidFill>
+                  <a:schemeClr val="tx1">
+                    <a:lumMod val="65000"/>
+                    <a:lumOff val="35000"/>
+                  </a:schemeClr>
+                </a:solidFill>
+              </a:defRPr>
             </a:lvl1pPr>
           </a:lstStyle>
           <a:p>
@@ -864,7 +965,7 @@
               <a:rPr lang="en-US"/>
               <a:t>Click to edit Master title style</a:t>
             </a:r>
-            <a:endParaRPr lang="en-US"/>
+            <a:endParaRPr lang="en-US" dirty="0"/>
           </a:p>
         </p:txBody>
       </p:sp>
@@ -880,26 +981,29 @@
         </p:nvSpPr>
         <p:spPr>
           <a:xfrm>
-            <a:off x="831850" y="4589463"/>
-            <a:ext cx="10515600" cy="1500187"/>
+            <a:off x="3886200" y="4672584"/>
+            <a:ext cx="7315200" cy="914400"/>
           </a:xfrm>
         </p:spPr>
         <p:txBody>
-          <a:bodyPr/>
+          <a:bodyPr anchor="t">
+            <a:normAutofit/>
+          </a:bodyPr>
           <a:lstStyle>
             <a:lvl1pPr marL="0" indent="0">
               <a:buNone/>
-              <a:defRPr sz="2400">
+              <a:defRPr sz="2200" cap="none" spc="0" baseline="0">
                 <a:solidFill>
                   <a:schemeClr val="tx1">
-                    <a:tint val="75000"/>
+                    <a:lumMod val="65000"/>
+                    <a:lumOff val="35000"/>
                   </a:schemeClr>
                 </a:solidFill>
               </a:defRPr>
             </a:lvl1pPr>
             <a:lvl2pPr marL="457200" indent="0">
               <a:buNone/>
-              <a:defRPr sz="2000">
+              <a:defRPr sz="1800">
                 <a:solidFill>
                   <a:schemeClr val="tx1">
                     <a:tint val="75000"/>
@@ -909,7 +1013,7 @@
             </a:lvl2pPr>
             <a:lvl3pPr marL="914400" indent="0">
               <a:buNone/>
-              <a:defRPr sz="1800">
+              <a:defRPr sz="1600">
                 <a:solidFill>
                   <a:schemeClr val="tx1">
                     <a:tint val="75000"/>
@@ -919,7 +1023,7 @@
             </a:lvl3pPr>
             <a:lvl4pPr marL="1371600" indent="0">
               <a:buNone/>
-              <a:defRPr sz="1600">
+              <a:defRPr sz="1400">
                 <a:solidFill>
                   <a:schemeClr val="tx1">
                     <a:tint val="75000"/>
@@ -929,7 +1033,7 @@
             </a:lvl4pPr>
             <a:lvl5pPr marL="1828800" indent="0">
               <a:buNone/>
-              <a:defRPr sz="1600">
+              <a:defRPr sz="1400">
                 <a:solidFill>
                   <a:schemeClr val="tx1">
                     <a:tint val="75000"/>
@@ -939,7 +1043,7 @@
             </a:lvl5pPr>
             <a:lvl6pPr marL="2286000" indent="0">
               <a:buNone/>
-              <a:defRPr sz="1600">
+              <a:defRPr sz="1400">
                 <a:solidFill>
                   <a:schemeClr val="tx1">
                     <a:tint val="75000"/>
@@ -949,7 +1053,7 @@
             </a:lvl6pPr>
             <a:lvl7pPr marL="2743200" indent="0">
               <a:buNone/>
-              <a:defRPr sz="1600">
+              <a:defRPr sz="1400">
                 <a:solidFill>
                   <a:schemeClr val="tx1">
                     <a:tint val="75000"/>
@@ -959,7 +1063,7 @@
             </a:lvl7pPr>
             <a:lvl8pPr marL="3200400" indent="0">
               <a:buNone/>
-              <a:defRPr sz="1600">
+              <a:defRPr sz="1400">
                 <a:solidFill>
                   <a:schemeClr val="tx1">
                     <a:tint val="75000"/>
@@ -969,7 +1073,7 @@
             </a:lvl8pPr>
             <a:lvl9pPr marL="3657600" indent="0">
               <a:buNone/>
-              <a:defRPr sz="1600">
+              <a:defRPr sz="1400">
                 <a:solidFill>
                   <a:schemeClr val="tx1">
                     <a:tint val="75000"/>
@@ -1002,11 +1106,12 @@
           <a:bodyPr/>
           <a:lstStyle/>
           <a:p>
-            <a:fld id="{C4A4970A-6E2E-46B0-9CE5-28B580A54636}" type="datetimeFigureOut">
-              <a:rPr lang="en-US" smtClean="0"/>
-              <a:t>12/3/2016</a:t>
+            <a:fld id="{5586B75A-687E-405C-8A0B-8D00578BA2C3}" type="datetimeFigureOut">
+              <a:rPr lang="en-US" dirty="0"/>
+              <a:pPr/>
+              <a:t>12/4/2016</a:t>
             </a:fld>
-            <a:endParaRPr lang="en-US"/>
+            <a:endParaRPr lang="en-US" dirty="0"/>
           </a:p>
         </p:txBody>
       </p:sp>
@@ -1025,7 +1130,7 @@
           <a:bodyPr/>
           <a:lstStyle/>
           <a:p>
-            <a:endParaRPr lang="en-US"/>
+            <a:endParaRPr lang="en-US" dirty="0"/>
           </a:p>
         </p:txBody>
       </p:sp>
@@ -1044,20 +1149,16 @@
           <a:bodyPr/>
           <a:lstStyle/>
           <a:p>
-            <a:fld id="{89DC04F5-8B4C-45C6-8E04-EA77C5C47A95}" type="slidenum">
-              <a:rPr lang="en-US" smtClean="0"/>
+            <a:fld id="{4FAB73BC-B049-4115-A692-8D63A059BFB8}" type="slidenum">
+              <a:rPr lang="en-US" dirty="0"/>
+              <a:pPr/>
               <a:t>‹#›</a:t>
             </a:fld>
-            <a:endParaRPr lang="en-US"/>
+            <a:endParaRPr lang="en-US" dirty="0"/>
           </a:p>
         </p:txBody>
       </p:sp>
     </p:spTree>
-    <p:extLst>
-      <p:ext uri="{BB962C8B-B14F-4D97-AF65-F5344CB8AC3E}">
-        <p14:creationId xmlns:p14="http://schemas.microsoft.com/office/powerpoint/2010/main" val="1728722955"/>
-      </p:ext>
-    </p:extLst>
   </p:cSld>
   <p:clrMapOvr>
     <a:masterClrMapping/>
@@ -1101,7 +1202,7 @@
               <a:rPr lang="en-US"/>
               <a:t>Click to edit Master title style</a:t>
             </a:r>
-            <a:endParaRPr lang="en-US"/>
+            <a:endParaRPr lang="en-US" dirty="0"/>
           </a:p>
         </p:txBody>
       </p:sp>
@@ -1117,13 +1218,41 @@
         </p:nvSpPr>
         <p:spPr>
           <a:xfrm>
-            <a:off x="838200" y="1825625"/>
-            <a:ext cx="5181600" cy="4351338"/>
+            <a:off x="3867912" y="868680"/>
+            <a:ext cx="3474720" cy="5120640"/>
           </a:xfrm>
         </p:spPr>
         <p:txBody>
           <a:bodyPr/>
-          <a:lstStyle/>
+          <a:lstStyle>
+            <a:lvl1pPr>
+              <a:defRPr sz="2000"/>
+            </a:lvl1pPr>
+            <a:lvl2pPr>
+              <a:defRPr sz="1800"/>
+            </a:lvl2pPr>
+            <a:lvl3pPr>
+              <a:defRPr sz="1600"/>
+            </a:lvl3pPr>
+            <a:lvl4pPr>
+              <a:defRPr sz="1400"/>
+            </a:lvl4pPr>
+            <a:lvl5pPr>
+              <a:defRPr sz="1400"/>
+            </a:lvl5pPr>
+            <a:lvl6pPr>
+              <a:defRPr sz="1400"/>
+            </a:lvl6pPr>
+            <a:lvl7pPr>
+              <a:defRPr sz="1400"/>
+            </a:lvl7pPr>
+            <a:lvl8pPr>
+              <a:defRPr sz="1400"/>
+            </a:lvl8pPr>
+            <a:lvl9pPr>
+              <a:defRPr sz="1400"/>
+            </a:lvl9pPr>
+          </a:lstStyle>
           <a:p>
             <a:pPr lvl="0"/>
             <a:r>
@@ -1158,7 +1287,7 @@
               <a:rPr lang="en-US"/>
               <a:t>Fifth level</a:t>
             </a:r>
-            <a:endParaRPr lang="en-US"/>
+            <a:endParaRPr lang="en-US" dirty="0"/>
           </a:p>
         </p:txBody>
       </p:sp>
@@ -1174,13 +1303,41 @@
         </p:nvSpPr>
         <p:spPr>
           <a:xfrm>
-            <a:off x="6172200" y="1825625"/>
-            <a:ext cx="5181600" cy="4351338"/>
+            <a:off x="7818120" y="868680"/>
+            <a:ext cx="3474720" cy="5120640"/>
           </a:xfrm>
         </p:spPr>
         <p:txBody>
           <a:bodyPr/>
-          <a:lstStyle/>
+          <a:lstStyle>
+            <a:lvl1pPr>
+              <a:defRPr sz="2000"/>
+            </a:lvl1pPr>
+            <a:lvl2pPr>
+              <a:defRPr sz="1800"/>
+            </a:lvl2pPr>
+            <a:lvl3pPr>
+              <a:defRPr sz="1600"/>
+            </a:lvl3pPr>
+            <a:lvl4pPr>
+              <a:defRPr sz="1400"/>
+            </a:lvl4pPr>
+            <a:lvl5pPr>
+              <a:defRPr sz="1400"/>
+            </a:lvl5pPr>
+            <a:lvl6pPr>
+              <a:defRPr sz="1400"/>
+            </a:lvl6pPr>
+            <a:lvl7pPr>
+              <a:defRPr sz="1400"/>
+            </a:lvl7pPr>
+            <a:lvl8pPr>
+              <a:defRPr sz="1400"/>
+            </a:lvl8pPr>
+            <a:lvl9pPr>
+              <a:defRPr sz="1400"/>
+            </a:lvl9pPr>
+          </a:lstStyle>
           <a:p>
             <a:pPr lvl="0"/>
             <a:r>
@@ -1215,13 +1372,13 @@
               <a:rPr lang="en-US"/>
               <a:t>Fifth level</a:t>
             </a:r>
-            <a:endParaRPr lang="en-US"/>
-          </a:p>
-        </p:txBody>
-      </p:sp>
-      <p:sp>
-        <p:nvSpPr>
-          <p:cNvPr id="5" name="Date Placeholder 4"/>
+            <a:endParaRPr lang="en-US" dirty="0"/>
+          </a:p>
+        </p:txBody>
+      </p:sp>
+      <p:sp>
+        <p:nvSpPr>
+          <p:cNvPr id="8" name="Date Placeholder 7"/>
           <p:cNvSpPr>
             <a:spLocks noGrp="1"/>
           </p:cNvSpPr>
@@ -1234,17 +1391,18 @@
           <a:bodyPr/>
           <a:lstStyle/>
           <a:p>
-            <a:fld id="{C4A4970A-6E2E-46B0-9CE5-28B580A54636}" type="datetimeFigureOut">
-              <a:rPr lang="en-US" smtClean="0"/>
-              <a:t>12/3/2016</a:t>
+            <a:fld id="{5586B75A-687E-405C-8A0B-8D00578BA2C3}" type="datetimeFigureOut">
+              <a:rPr lang="en-US" dirty="0"/>
+              <a:pPr/>
+              <a:t>12/4/2016</a:t>
             </a:fld>
-            <a:endParaRPr lang="en-US"/>
-          </a:p>
-        </p:txBody>
-      </p:sp>
-      <p:sp>
-        <p:nvSpPr>
-          <p:cNvPr id="6" name="Footer Placeholder 5"/>
+            <a:endParaRPr lang="en-US" dirty="0"/>
+          </a:p>
+        </p:txBody>
+      </p:sp>
+      <p:sp>
+        <p:nvSpPr>
+          <p:cNvPr id="9" name="Footer Placeholder 8"/>
           <p:cNvSpPr>
             <a:spLocks noGrp="1"/>
           </p:cNvSpPr>
@@ -1257,13 +1415,13 @@
           <a:bodyPr/>
           <a:lstStyle/>
           <a:p>
-            <a:endParaRPr lang="en-US"/>
-          </a:p>
-        </p:txBody>
-      </p:sp>
-      <p:sp>
-        <p:nvSpPr>
-          <p:cNvPr id="7" name="Slide Number Placeholder 6"/>
+            <a:endParaRPr lang="en-US" dirty="0"/>
+          </a:p>
+        </p:txBody>
+      </p:sp>
+      <p:sp>
+        <p:nvSpPr>
+          <p:cNvPr id="10" name="Slide Number Placeholder 9"/>
           <p:cNvSpPr>
             <a:spLocks noGrp="1"/>
           </p:cNvSpPr>
@@ -1276,20 +1434,16 @@
           <a:bodyPr/>
           <a:lstStyle/>
           <a:p>
-            <a:fld id="{89DC04F5-8B4C-45C6-8E04-EA77C5C47A95}" type="slidenum">
-              <a:rPr lang="en-US" smtClean="0"/>
+            <a:fld id="{4FAB73BC-B049-4115-A692-8D63A059BFB8}" type="slidenum">
+              <a:rPr lang="en-US" dirty="0"/>
+              <a:pPr/>
               <a:t>‹#›</a:t>
             </a:fld>
-            <a:endParaRPr lang="en-US"/>
+            <a:endParaRPr lang="en-US" dirty="0"/>
           </a:p>
         </p:txBody>
       </p:sp>
     </p:spTree>
-    <p:extLst>
-      <p:ext uri="{BB962C8B-B14F-4D97-AF65-F5344CB8AC3E}">
-        <p14:creationId xmlns:p14="http://schemas.microsoft.com/office/powerpoint/2010/main" val="2542749440"/>
-      </p:ext>
-    </p:extLst>
   </p:cSld>
   <p:clrMapOvr>
     <a:masterClrMapping/>
@@ -1316,54 +1470,61 @@
       </p:grpSpPr>
       <p:sp>
         <p:nvSpPr>
-          <p:cNvPr id="2" name="Title 1"/>
+          <p:cNvPr id="10" name="Title 9"/>
           <p:cNvSpPr>
             <a:spLocks noGrp="1"/>
           </p:cNvSpPr>
           <p:nvPr>
             <p:ph type="title"/>
+          </p:nvPr>
+        </p:nvSpPr>
+        <p:spPr/>
+        <p:txBody>
+          <a:bodyPr/>
+          <a:lstStyle/>
+          <a:p>
+            <a:r>
+              <a:rPr lang="en-US"/>
+              <a:t>Click to edit Master title style</a:t>
+            </a:r>
+            <a:endParaRPr lang="en-US" dirty="0"/>
+          </a:p>
+        </p:txBody>
+      </p:sp>
+      <p:sp>
+        <p:nvSpPr>
+          <p:cNvPr id="3" name="Text Placeholder 2"/>
+          <p:cNvSpPr>
+            <a:spLocks noGrp="1"/>
+          </p:cNvSpPr>
+          <p:nvPr>
+            <p:ph type="body" idx="1"/>
           </p:nvPr>
         </p:nvSpPr>
         <p:spPr>
           <a:xfrm>
-            <a:off x="839788" y="365125"/>
-            <a:ext cx="10515600" cy="1325563"/>
+            <a:off x="3867912" y="1023586"/>
+            <a:ext cx="3474720" cy="807720"/>
           </a:xfrm>
         </p:spPr>
         <p:txBody>
-          <a:bodyPr/>
-          <a:lstStyle/>
-          <a:p>
-            <a:r>
-              <a:rPr lang="en-US"/>
-              <a:t>Click to edit Master title style</a:t>
-            </a:r>
-            <a:endParaRPr lang="en-US"/>
-          </a:p>
-        </p:txBody>
-      </p:sp>
-      <p:sp>
-        <p:nvSpPr>
-          <p:cNvPr id="3" name="Text Placeholder 2"/>
-          <p:cNvSpPr>
-            <a:spLocks noGrp="1"/>
-          </p:cNvSpPr>
-          <p:nvPr>
-            <p:ph type="body" idx="1"/>
-          </p:nvPr>
-        </p:nvSpPr>
-        <p:spPr>
-          <a:xfrm>
-            <a:off x="839788" y="1681163"/>
-            <a:ext cx="5157787" cy="823912"/>
-          </a:xfrm>
-        </p:spPr>
-        <p:txBody>
-          <a:bodyPr anchor="b"/>
+          <a:bodyPr anchor="b">
+            <a:normAutofit/>
+          </a:bodyPr>
           <a:lstStyle>
             <a:lvl1pPr marL="0" indent="0">
-              <a:buNone/>
-              <a:defRPr sz="2400" b="1"/>
+              <a:spcBef>
+                <a:spcPts val="0"/>
+              </a:spcBef>
+              <a:buNone/>
+              <a:defRPr sz="2000" b="1">
+                <a:solidFill>
+                  <a:schemeClr val="tx1">
+                    <a:lumMod val="65000"/>
+                    <a:lumOff val="35000"/>
+                  </a:schemeClr>
+                </a:solidFill>
+              </a:defRPr>
             </a:lvl1pPr>
             <a:lvl2pPr marL="457200" indent="0">
               <a:buNone/>
@@ -1419,13 +1580,41 @@
         </p:nvSpPr>
         <p:spPr>
           <a:xfrm>
-            <a:off x="839788" y="2505075"/>
-            <a:ext cx="5157787" cy="3684588"/>
+            <a:off x="3867912" y="1930936"/>
+            <a:ext cx="3474720" cy="4023360"/>
           </a:xfrm>
         </p:spPr>
         <p:txBody>
           <a:bodyPr/>
-          <a:lstStyle/>
+          <a:lstStyle>
+            <a:lvl1pPr>
+              <a:defRPr sz="2000"/>
+            </a:lvl1pPr>
+            <a:lvl2pPr>
+              <a:defRPr sz="1800"/>
+            </a:lvl2pPr>
+            <a:lvl3pPr>
+              <a:defRPr sz="1600"/>
+            </a:lvl3pPr>
+            <a:lvl4pPr>
+              <a:defRPr sz="1400"/>
+            </a:lvl4pPr>
+            <a:lvl5pPr>
+              <a:defRPr sz="1400"/>
+            </a:lvl5pPr>
+            <a:lvl6pPr>
+              <a:defRPr sz="1400"/>
+            </a:lvl6pPr>
+            <a:lvl7pPr>
+              <a:defRPr sz="1400"/>
+            </a:lvl7pPr>
+            <a:lvl8pPr>
+              <a:defRPr sz="1400"/>
+            </a:lvl8pPr>
+            <a:lvl9pPr>
+              <a:defRPr sz="1400"/>
+            </a:lvl9pPr>
+          </a:lstStyle>
           <a:p>
             <a:pPr lvl="0"/>
             <a:r>
@@ -1460,7 +1649,7 @@
               <a:rPr lang="en-US"/>
               <a:t>Fifth level</a:t>
             </a:r>
-            <a:endParaRPr lang="en-US"/>
+            <a:endParaRPr lang="en-US" dirty="0"/>
           </a:p>
         </p:txBody>
       </p:sp>
@@ -1476,16 +1665,28 @@
         </p:nvSpPr>
         <p:spPr>
           <a:xfrm>
-            <a:off x="6172200" y="1681163"/>
-            <a:ext cx="5183188" cy="823912"/>
+            <a:off x="7818463" y="1023586"/>
+            <a:ext cx="3474720" cy="813171"/>
           </a:xfrm>
         </p:spPr>
         <p:txBody>
-          <a:bodyPr anchor="b"/>
+          <a:bodyPr anchor="b">
+            <a:normAutofit/>
+          </a:bodyPr>
           <a:lstStyle>
             <a:lvl1pPr marL="0" indent="0">
-              <a:buNone/>
-              <a:defRPr sz="2400" b="1"/>
+              <a:spcBef>
+                <a:spcPts val="0"/>
+              </a:spcBef>
+              <a:buNone/>
+              <a:defRPr sz="2000" b="1">
+                <a:solidFill>
+                  <a:schemeClr val="tx1">
+                    <a:lumMod val="65000"/>
+                    <a:lumOff val="35000"/>
+                  </a:schemeClr>
+                </a:solidFill>
+              </a:defRPr>
             </a:lvl1pPr>
             <a:lvl2pPr marL="457200" indent="0">
               <a:buNone/>
@@ -1541,13 +1742,41 @@
         </p:nvSpPr>
         <p:spPr>
           <a:xfrm>
-            <a:off x="6172200" y="2505075"/>
-            <a:ext cx="5183188" cy="3684588"/>
+            <a:off x="7818463" y="1930936"/>
+            <a:ext cx="3474720" cy="4023360"/>
           </a:xfrm>
         </p:spPr>
         <p:txBody>
           <a:bodyPr/>
-          <a:lstStyle/>
+          <a:lstStyle>
+            <a:lvl1pPr>
+              <a:defRPr sz="2000"/>
+            </a:lvl1pPr>
+            <a:lvl2pPr>
+              <a:defRPr sz="1800"/>
+            </a:lvl2pPr>
+            <a:lvl3pPr>
+              <a:defRPr sz="1600"/>
+            </a:lvl3pPr>
+            <a:lvl4pPr>
+              <a:defRPr sz="1400"/>
+            </a:lvl4pPr>
+            <a:lvl5pPr>
+              <a:defRPr sz="1400"/>
+            </a:lvl5pPr>
+            <a:lvl6pPr>
+              <a:defRPr sz="1400"/>
+            </a:lvl6pPr>
+            <a:lvl7pPr>
+              <a:defRPr sz="1400"/>
+            </a:lvl7pPr>
+            <a:lvl8pPr>
+              <a:defRPr sz="1400"/>
+            </a:lvl8pPr>
+            <a:lvl9pPr>
+              <a:defRPr sz="1400"/>
+            </a:lvl9pPr>
+          </a:lstStyle>
           <a:p>
             <a:pPr lvl="0"/>
             <a:r>
@@ -1582,13 +1811,13 @@
               <a:rPr lang="en-US"/>
               <a:t>Fifth level</a:t>
             </a:r>
-            <a:endParaRPr lang="en-US"/>
-          </a:p>
-        </p:txBody>
-      </p:sp>
-      <p:sp>
-        <p:nvSpPr>
-          <p:cNvPr id="7" name="Date Placeholder 6"/>
+            <a:endParaRPr lang="en-US" dirty="0"/>
+          </a:p>
+        </p:txBody>
+      </p:sp>
+      <p:sp>
+        <p:nvSpPr>
+          <p:cNvPr id="2" name="Date Placeholder 1"/>
           <p:cNvSpPr>
             <a:spLocks noGrp="1"/>
           </p:cNvSpPr>
@@ -1601,17 +1830,18 @@
           <a:bodyPr/>
           <a:lstStyle/>
           <a:p>
-            <a:fld id="{C4A4970A-6E2E-46B0-9CE5-28B580A54636}" type="datetimeFigureOut">
-              <a:rPr lang="en-US" smtClean="0"/>
-              <a:t>12/3/2016</a:t>
+            <a:fld id="{5586B75A-687E-405C-8A0B-8D00578BA2C3}" type="datetimeFigureOut">
+              <a:rPr lang="en-US" dirty="0"/>
+              <a:pPr/>
+              <a:t>12/4/2016</a:t>
             </a:fld>
-            <a:endParaRPr lang="en-US"/>
-          </a:p>
-        </p:txBody>
-      </p:sp>
-      <p:sp>
-        <p:nvSpPr>
-          <p:cNvPr id="8" name="Footer Placeholder 7"/>
+            <a:endParaRPr lang="en-US" dirty="0"/>
+          </a:p>
+        </p:txBody>
+      </p:sp>
+      <p:sp>
+        <p:nvSpPr>
+          <p:cNvPr id="11" name="Footer Placeholder 10"/>
           <p:cNvSpPr>
             <a:spLocks noGrp="1"/>
           </p:cNvSpPr>
@@ -1624,13 +1854,13 @@
           <a:bodyPr/>
           <a:lstStyle/>
           <a:p>
-            <a:endParaRPr lang="en-US"/>
-          </a:p>
-        </p:txBody>
-      </p:sp>
-      <p:sp>
-        <p:nvSpPr>
-          <p:cNvPr id="9" name="Slide Number Placeholder 8"/>
+            <a:endParaRPr lang="en-US" dirty="0"/>
+          </a:p>
+        </p:txBody>
+      </p:sp>
+      <p:sp>
+        <p:nvSpPr>
+          <p:cNvPr id="12" name="Slide Number Placeholder 11"/>
           <p:cNvSpPr>
             <a:spLocks noGrp="1"/>
           </p:cNvSpPr>
@@ -1643,20 +1873,16 @@
           <a:bodyPr/>
           <a:lstStyle/>
           <a:p>
-            <a:fld id="{89DC04F5-8B4C-45C6-8E04-EA77C5C47A95}" type="slidenum">
-              <a:rPr lang="en-US" smtClean="0"/>
+            <a:fld id="{4FAB73BC-B049-4115-A692-8D63A059BFB8}" type="slidenum">
+              <a:rPr lang="en-US" dirty="0"/>
+              <a:pPr/>
               <a:t>‹#›</a:t>
             </a:fld>
-            <a:endParaRPr lang="en-US"/>
+            <a:endParaRPr lang="en-US" dirty="0"/>
           </a:p>
         </p:txBody>
       </p:sp>
     </p:spTree>
-    <p:extLst>
-      <p:ext uri="{BB962C8B-B14F-4D97-AF65-F5344CB8AC3E}">
-        <p14:creationId xmlns:p14="http://schemas.microsoft.com/office/powerpoint/2010/main" val="3736200773"/>
-      </p:ext>
-    </p:extLst>
   </p:cSld>
   <p:clrMapOvr>
     <a:masterClrMapping/>
@@ -1683,7 +1909,7 @@
       </p:grpSpPr>
       <p:sp>
         <p:nvSpPr>
-          <p:cNvPr id="2" name="Title 1"/>
+          <p:cNvPr id="6" name="Title 5"/>
           <p:cNvSpPr>
             <a:spLocks noGrp="1"/>
           </p:cNvSpPr>
@@ -1700,13 +1926,13 @@
               <a:rPr lang="en-US"/>
               <a:t>Click to edit Master title style</a:t>
             </a:r>
-            <a:endParaRPr lang="en-US"/>
-          </a:p>
-        </p:txBody>
-      </p:sp>
-      <p:sp>
-        <p:nvSpPr>
-          <p:cNvPr id="3" name="Date Placeholder 2"/>
+            <a:endParaRPr lang="en-US" dirty="0"/>
+          </a:p>
+        </p:txBody>
+      </p:sp>
+      <p:sp>
+        <p:nvSpPr>
+          <p:cNvPr id="2" name="Date Placeholder 1"/>
           <p:cNvSpPr>
             <a:spLocks noGrp="1"/>
           </p:cNvSpPr>
@@ -1719,17 +1945,18 @@
           <a:bodyPr/>
           <a:lstStyle/>
           <a:p>
-            <a:fld id="{C4A4970A-6E2E-46B0-9CE5-28B580A54636}" type="datetimeFigureOut">
-              <a:rPr lang="en-US" smtClean="0"/>
-              <a:t>12/3/2016</a:t>
+            <a:fld id="{5586B75A-687E-405C-8A0B-8D00578BA2C3}" type="datetimeFigureOut">
+              <a:rPr lang="en-US" dirty="0"/>
+              <a:pPr/>
+              <a:t>12/4/2016</a:t>
             </a:fld>
-            <a:endParaRPr lang="en-US"/>
-          </a:p>
-        </p:txBody>
-      </p:sp>
-      <p:sp>
-        <p:nvSpPr>
-          <p:cNvPr id="4" name="Footer Placeholder 3"/>
+            <a:endParaRPr lang="en-US" dirty="0"/>
+          </a:p>
+        </p:txBody>
+      </p:sp>
+      <p:sp>
+        <p:nvSpPr>
+          <p:cNvPr id="7" name="Footer Placeholder 6"/>
           <p:cNvSpPr>
             <a:spLocks noGrp="1"/>
           </p:cNvSpPr>
@@ -1742,13 +1969,13 @@
           <a:bodyPr/>
           <a:lstStyle/>
           <a:p>
-            <a:endParaRPr lang="en-US"/>
-          </a:p>
-        </p:txBody>
-      </p:sp>
-      <p:sp>
-        <p:nvSpPr>
-          <p:cNvPr id="5" name="Slide Number Placeholder 4"/>
+            <a:endParaRPr lang="en-US" dirty="0"/>
+          </a:p>
+        </p:txBody>
+      </p:sp>
+      <p:sp>
+        <p:nvSpPr>
+          <p:cNvPr id="8" name="Slide Number Placeholder 7"/>
           <p:cNvSpPr>
             <a:spLocks noGrp="1"/>
           </p:cNvSpPr>
@@ -1761,20 +1988,16 @@
           <a:bodyPr/>
           <a:lstStyle/>
           <a:p>
-            <a:fld id="{89DC04F5-8B4C-45C6-8E04-EA77C5C47A95}" type="slidenum">
-              <a:rPr lang="en-US" smtClean="0"/>
+            <a:fld id="{4FAB73BC-B049-4115-A692-8D63A059BFB8}" type="slidenum">
+              <a:rPr lang="en-US" dirty="0"/>
+              <a:pPr/>
               <a:t>‹#›</a:t>
             </a:fld>
-            <a:endParaRPr lang="en-US"/>
+            <a:endParaRPr lang="en-US" dirty="0"/>
           </a:p>
         </p:txBody>
       </p:sp>
     </p:spTree>
-    <p:extLst>
-      <p:ext uri="{BB962C8B-B14F-4D97-AF65-F5344CB8AC3E}">
-        <p14:creationId xmlns:p14="http://schemas.microsoft.com/office/powerpoint/2010/main" val="1753367283"/>
-      </p:ext>
-    </p:extLst>
   </p:cSld>
   <p:clrMapOvr>
     <a:masterClrMapping/>
@@ -1783,7 +2006,7 @@
 </file>
 
 <file path=ppt/slideLayouts/slideLayout7.xml><?xml version="1.0" encoding="utf-8"?>
-<p:sldLayout xmlns:a="http://schemas.openxmlformats.org/drawingml/2006/main" xmlns:r="http://schemas.openxmlformats.org/officeDocument/2006/relationships" xmlns:p="http://schemas.openxmlformats.org/presentationml/2006/main" type="blank" preserve="1">
+<p:sldLayout xmlns:a="http://schemas.openxmlformats.org/drawingml/2006/main" xmlns:r="http://schemas.openxmlformats.org/officeDocument/2006/relationships" xmlns:p="http://schemas.openxmlformats.org/presentationml/2006/main" showMasterSp="0" type="blank" preserve="1">
   <p:cSld name="Blank">
     <p:spTree>
       <p:nvGrpSpPr>
@@ -1801,7 +2024,7 @@
       </p:grpSpPr>
       <p:sp>
         <p:nvSpPr>
-          <p:cNvPr id="2" name="Date Placeholder 1"/>
+          <p:cNvPr id="5" name="Date Placeholder 4"/>
           <p:cNvSpPr>
             <a:spLocks noGrp="1"/>
           </p:cNvSpPr>
@@ -1814,17 +2037,18 @@
           <a:bodyPr/>
           <a:lstStyle/>
           <a:p>
-            <a:fld id="{C4A4970A-6E2E-46B0-9CE5-28B580A54636}" type="datetimeFigureOut">
-              <a:rPr lang="en-US" smtClean="0"/>
-              <a:t>12/3/2016</a:t>
+            <a:fld id="{5586B75A-687E-405C-8A0B-8D00578BA2C3}" type="datetimeFigureOut">
+              <a:rPr lang="en-US" dirty="0"/>
+              <a:pPr/>
+              <a:t>12/4/2016</a:t>
             </a:fld>
-            <a:endParaRPr lang="en-US"/>
-          </a:p>
-        </p:txBody>
-      </p:sp>
-      <p:sp>
-        <p:nvSpPr>
-          <p:cNvPr id="3" name="Footer Placeholder 2"/>
+            <a:endParaRPr lang="en-US" dirty="0"/>
+          </a:p>
+        </p:txBody>
+      </p:sp>
+      <p:sp>
+        <p:nvSpPr>
+          <p:cNvPr id="6" name="Footer Placeholder 5"/>
           <p:cNvSpPr>
             <a:spLocks noGrp="1"/>
           </p:cNvSpPr>
@@ -1837,13 +2061,13 @@
           <a:bodyPr/>
           <a:lstStyle/>
           <a:p>
-            <a:endParaRPr lang="en-US"/>
-          </a:p>
-        </p:txBody>
-      </p:sp>
-      <p:sp>
-        <p:nvSpPr>
-          <p:cNvPr id="4" name="Slide Number Placeholder 3"/>
+            <a:endParaRPr lang="en-US" dirty="0"/>
+          </a:p>
+        </p:txBody>
+      </p:sp>
+      <p:sp>
+        <p:nvSpPr>
+          <p:cNvPr id="7" name="Slide Number Placeholder 6"/>
           <p:cNvSpPr>
             <a:spLocks noGrp="1"/>
           </p:cNvSpPr>
@@ -1856,20 +2080,16 @@
           <a:bodyPr/>
           <a:lstStyle/>
           <a:p>
-            <a:fld id="{89DC04F5-8B4C-45C6-8E04-EA77C5C47A95}" type="slidenum">
-              <a:rPr lang="en-US" smtClean="0"/>
+            <a:fld id="{4FAB73BC-B049-4115-A692-8D63A059BFB8}" type="slidenum">
+              <a:rPr lang="en-US" dirty="0"/>
+              <a:pPr/>
               <a:t>‹#›</a:t>
             </a:fld>
-            <a:endParaRPr lang="en-US"/>
+            <a:endParaRPr lang="en-US" dirty="0"/>
           </a:p>
         </p:txBody>
       </p:sp>
     </p:spTree>
-    <p:extLst>
-      <p:ext uri="{BB962C8B-B14F-4D97-AF65-F5344CB8AC3E}">
-        <p14:creationId xmlns:p14="http://schemas.microsoft.com/office/powerpoint/2010/main" val="1238317018"/>
-      </p:ext>
-    </p:extLst>
   </p:cSld>
   <p:clrMapOvr>
     <a:masterClrMapping/>
@@ -1906,15 +2126,17 @@
         </p:nvSpPr>
         <p:spPr>
           <a:xfrm>
-            <a:off x="839788" y="457200"/>
-            <a:ext cx="3932237" cy="1600200"/>
+            <a:off x="256032" y="1143000"/>
+            <a:ext cx="2834640" cy="2377440"/>
           </a:xfrm>
         </p:spPr>
         <p:txBody>
-          <a:bodyPr anchor="b"/>
+          <a:bodyPr anchor="b">
+            <a:normAutofit/>
+          </a:bodyPr>
           <a:lstStyle>
             <a:lvl1pPr>
-              <a:defRPr sz="3200"/>
+              <a:defRPr sz="3200" b="0" baseline="0"/>
             </a:lvl1pPr>
           </a:lstStyle>
           <a:p>
@@ -1922,7 +2144,7 @@
               <a:rPr lang="en-US"/>
               <a:t>Click to edit Master title style</a:t>
             </a:r>
-            <a:endParaRPr lang="en-US"/>
+            <a:endParaRPr lang="en-US" dirty="0"/>
           </a:p>
         </p:txBody>
       </p:sp>
@@ -1938,39 +2160,39 @@
         </p:nvSpPr>
         <p:spPr>
           <a:xfrm>
-            <a:off x="5183188" y="987425"/>
-            <a:ext cx="6172200" cy="4873625"/>
+            <a:off x="3867912" y="868680"/>
+            <a:ext cx="7315200" cy="5120640"/>
           </a:xfrm>
         </p:spPr>
         <p:txBody>
           <a:bodyPr/>
           <a:lstStyle>
             <a:lvl1pPr>
-              <a:defRPr sz="3200"/>
+              <a:defRPr sz="2000"/>
             </a:lvl1pPr>
             <a:lvl2pPr>
-              <a:defRPr sz="2800"/>
+              <a:defRPr sz="1800"/>
             </a:lvl2pPr>
             <a:lvl3pPr>
-              <a:defRPr sz="2400"/>
+              <a:defRPr sz="1600"/>
             </a:lvl3pPr>
             <a:lvl4pPr>
-              <a:defRPr sz="2000"/>
+              <a:defRPr sz="1400"/>
             </a:lvl4pPr>
             <a:lvl5pPr>
-              <a:defRPr sz="2000"/>
+              <a:defRPr sz="1400"/>
             </a:lvl5pPr>
             <a:lvl6pPr>
-              <a:defRPr sz="2000"/>
+              <a:defRPr sz="1400"/>
             </a:lvl6pPr>
             <a:lvl7pPr>
-              <a:defRPr sz="2000"/>
+              <a:defRPr sz="1400"/>
             </a:lvl7pPr>
             <a:lvl8pPr>
-              <a:defRPr sz="2000"/>
+              <a:defRPr sz="1400"/>
             </a:lvl8pPr>
             <a:lvl9pPr>
-              <a:defRPr sz="2000"/>
+              <a:defRPr sz="1400"/>
             </a:lvl9pPr>
           </a:lstStyle>
           <a:p>
@@ -2007,7 +2229,7 @@
               <a:rPr lang="en-US"/>
               <a:t>Fifth level</a:t>
             </a:r>
-            <a:endParaRPr lang="en-US"/>
+            <a:endParaRPr lang="en-US" dirty="0"/>
           </a:p>
         </p:txBody>
       </p:sp>
@@ -2023,48 +2245,57 @@
         </p:nvSpPr>
         <p:spPr>
           <a:xfrm>
-            <a:off x="839788" y="2057400"/>
-            <a:ext cx="3932237" cy="3811588"/>
+            <a:off x="256032" y="3494176"/>
+            <a:ext cx="2834640" cy="2321990"/>
           </a:xfrm>
         </p:spPr>
         <p:txBody>
-          <a:bodyPr/>
+          <a:bodyPr anchor="t">
+            <a:normAutofit/>
+          </a:bodyPr>
           <a:lstStyle>
             <a:lvl1pPr marL="0" indent="0">
-              <a:buNone/>
-              <a:defRPr sz="1600"/>
+              <a:lnSpc>
+                <a:spcPct val="100000"/>
+              </a:lnSpc>
+              <a:buNone/>
+              <a:defRPr sz="1400">
+                <a:solidFill>
+                  <a:srgbClr val="FFFFFF"/>
+                </a:solidFill>
+              </a:defRPr>
             </a:lvl1pPr>
             <a:lvl2pPr marL="457200" indent="0">
               <a:buNone/>
-              <a:defRPr sz="1400"/>
+              <a:defRPr sz="1200"/>
             </a:lvl2pPr>
             <a:lvl3pPr marL="914400" indent="0">
               <a:buNone/>
-              <a:defRPr sz="1200"/>
+              <a:defRPr sz="1000"/>
             </a:lvl3pPr>
             <a:lvl4pPr marL="1371600" indent="0">
               <a:buNone/>
-              <a:defRPr sz="1000"/>
+              <a:defRPr sz="900"/>
             </a:lvl4pPr>
             <a:lvl5pPr marL="1828800" indent="0">
               <a:buNone/>
-              <a:defRPr sz="1000"/>
+              <a:defRPr sz="900"/>
             </a:lvl5pPr>
             <a:lvl6pPr marL="2286000" indent="0">
               <a:buNone/>
-              <a:defRPr sz="1000"/>
+              <a:defRPr sz="900"/>
             </a:lvl6pPr>
             <a:lvl7pPr marL="2743200" indent="0">
               <a:buNone/>
-              <a:defRPr sz="1000"/>
+              <a:defRPr sz="900"/>
             </a:lvl7pPr>
             <a:lvl8pPr marL="3200400" indent="0">
               <a:buNone/>
-              <a:defRPr sz="1000"/>
+              <a:defRPr sz="900"/>
             </a:lvl8pPr>
             <a:lvl9pPr marL="3657600" indent="0">
               <a:buNone/>
-              <a:defRPr sz="1000"/>
+              <a:defRPr sz="900"/>
             </a:lvl9pPr>
           </a:lstStyle>
           <a:p>
@@ -2078,7 +2309,7 @@
       </p:sp>
       <p:sp>
         <p:nvSpPr>
-          <p:cNvPr id="5" name="Date Placeholder 4"/>
+          <p:cNvPr id="8" name="Date Placeholder 7"/>
           <p:cNvSpPr>
             <a:spLocks noGrp="1"/>
           </p:cNvSpPr>
@@ -2091,17 +2322,18 @@
           <a:bodyPr/>
           <a:lstStyle/>
           <a:p>
-            <a:fld id="{C4A4970A-6E2E-46B0-9CE5-28B580A54636}" type="datetimeFigureOut">
-              <a:rPr lang="en-US" smtClean="0"/>
-              <a:t>12/3/2016</a:t>
+            <a:fld id="{5586B75A-687E-405C-8A0B-8D00578BA2C3}" type="datetimeFigureOut">
+              <a:rPr lang="en-US" dirty="0"/>
+              <a:pPr/>
+              <a:t>12/4/2016</a:t>
             </a:fld>
-            <a:endParaRPr lang="en-US"/>
-          </a:p>
-        </p:txBody>
-      </p:sp>
-      <p:sp>
-        <p:nvSpPr>
-          <p:cNvPr id="6" name="Footer Placeholder 5"/>
+            <a:endParaRPr lang="en-US" dirty="0"/>
+          </a:p>
+        </p:txBody>
+      </p:sp>
+      <p:sp>
+        <p:nvSpPr>
+          <p:cNvPr id="9" name="Footer Placeholder 8"/>
           <p:cNvSpPr>
             <a:spLocks noGrp="1"/>
           </p:cNvSpPr>
@@ -2114,13 +2346,13 @@
           <a:bodyPr/>
           <a:lstStyle/>
           <a:p>
-            <a:endParaRPr lang="en-US"/>
-          </a:p>
-        </p:txBody>
-      </p:sp>
-      <p:sp>
-        <p:nvSpPr>
-          <p:cNvPr id="7" name="Slide Number Placeholder 6"/>
+            <a:endParaRPr lang="en-US" dirty="0"/>
+          </a:p>
+        </p:txBody>
+      </p:sp>
+      <p:sp>
+        <p:nvSpPr>
+          <p:cNvPr id="10" name="Slide Number Placeholder 9"/>
           <p:cNvSpPr>
             <a:spLocks noGrp="1"/>
           </p:cNvSpPr>
@@ -2133,20 +2365,16 @@
           <a:bodyPr/>
           <a:lstStyle/>
           <a:p>
-            <a:fld id="{89DC04F5-8B4C-45C6-8E04-EA77C5C47A95}" type="slidenum">
-              <a:rPr lang="en-US" smtClean="0"/>
+            <a:fld id="{4FAB73BC-B049-4115-A692-8D63A059BFB8}" type="slidenum">
+              <a:rPr lang="en-US" dirty="0"/>
+              <a:pPr/>
               <a:t>‹#›</a:t>
             </a:fld>
-            <a:endParaRPr lang="en-US"/>
+            <a:endParaRPr lang="en-US" dirty="0"/>
           </a:p>
         </p:txBody>
       </p:sp>
     </p:spTree>
-    <p:extLst>
-      <p:ext uri="{BB962C8B-B14F-4D97-AF65-F5344CB8AC3E}">
-        <p14:creationId xmlns:p14="http://schemas.microsoft.com/office/powerpoint/2010/main" val="4148634044"/>
-      </p:ext>
-    </p:extLst>
   </p:cSld>
   <p:clrMapOvr>
     <a:masterClrMapping/>
@@ -2183,15 +2411,17 @@
         </p:nvSpPr>
         <p:spPr>
           <a:xfrm>
-            <a:off x="839788" y="457200"/>
-            <a:ext cx="3932237" cy="1600200"/>
+            <a:off x="256032" y="1143000"/>
+            <a:ext cx="2834640" cy="2377440"/>
           </a:xfrm>
         </p:spPr>
         <p:txBody>
-          <a:bodyPr anchor="b"/>
+          <a:bodyPr anchor="b">
+            <a:normAutofit/>
+          </a:bodyPr>
           <a:lstStyle>
             <a:lvl1pPr>
-              <a:defRPr sz="3200"/>
+              <a:defRPr sz="3200" b="0"/>
             </a:lvl1pPr>
           </a:lstStyle>
           <a:p>
@@ -2199,7 +2429,7 @@
               <a:rPr lang="en-US"/>
               <a:t>Click to edit Master title style</a:t>
             </a:r>
-            <a:endParaRPr lang="en-US"/>
+            <a:endParaRPr lang="en-US" dirty="0"/>
           </a:p>
         </p:txBody>
       </p:sp>
@@ -2207,7 +2437,7 @@
         <p:nvSpPr>
           <p:cNvPr id="3" name="Picture Placeholder 2"/>
           <p:cNvSpPr>
-            <a:spLocks noGrp="1"/>
+            <a:spLocks noGrp="1" noChangeAspect="1"/>
           </p:cNvSpPr>
           <p:nvPr>
             <p:ph type="pic" idx="1"/>
@@ -2215,12 +2445,17 @@
         </p:nvSpPr>
         <p:spPr>
           <a:xfrm>
-            <a:off x="5183188" y="987425"/>
-            <a:ext cx="6172200" cy="4873625"/>
+            <a:off x="3570644" y="767419"/>
+            <a:ext cx="8115230" cy="5330952"/>
           </a:xfrm>
+          <a:solidFill>
+            <a:schemeClr val="bg1">
+              <a:lumMod val="75000"/>
+            </a:schemeClr>
+          </a:solidFill>
         </p:spPr>
         <p:txBody>
-          <a:bodyPr/>
+          <a:bodyPr anchor="t"/>
           <a:lstStyle>
             <a:lvl1pPr marL="0" indent="0">
               <a:buNone/>
@@ -2260,7 +2495,11 @@
             </a:lvl9pPr>
           </a:lstStyle>
           <a:p>
-            <a:endParaRPr lang="en-US"/>
+            <a:r>
+              <a:rPr lang="en-US"/>
+              <a:t>Click icon to add picture</a:t>
+            </a:r>
+            <a:endParaRPr lang="en-US" dirty="0"/>
           </a:p>
         </p:txBody>
       </p:sp>
@@ -2276,48 +2515,57 @@
         </p:nvSpPr>
         <p:spPr>
           <a:xfrm>
-            <a:off x="839788" y="2057400"/>
-            <a:ext cx="3932237" cy="3811588"/>
+            <a:off x="256032" y="3493008"/>
+            <a:ext cx="2834640" cy="2322576"/>
           </a:xfrm>
         </p:spPr>
         <p:txBody>
-          <a:bodyPr/>
+          <a:bodyPr anchor="t">
+            <a:normAutofit/>
+          </a:bodyPr>
           <a:lstStyle>
             <a:lvl1pPr marL="0" indent="0">
-              <a:buNone/>
-              <a:defRPr sz="1600"/>
+              <a:lnSpc>
+                <a:spcPct val="100000"/>
+              </a:lnSpc>
+              <a:buNone/>
+              <a:defRPr sz="1400">
+                <a:solidFill>
+                  <a:srgbClr val="FFFFFF"/>
+                </a:solidFill>
+              </a:defRPr>
             </a:lvl1pPr>
             <a:lvl2pPr marL="457200" indent="0">
               <a:buNone/>
-              <a:defRPr sz="1400"/>
+              <a:defRPr sz="1200"/>
             </a:lvl2pPr>
             <a:lvl3pPr marL="914400" indent="0">
               <a:buNone/>
-              <a:defRPr sz="1200"/>
+              <a:defRPr sz="1000"/>
             </a:lvl3pPr>
             <a:lvl4pPr marL="1371600" indent="0">
               <a:buNone/>
-              <a:defRPr sz="1000"/>
+              <a:defRPr sz="900"/>
             </a:lvl4pPr>
             <a:lvl5pPr marL="1828800" indent="0">
               <a:buNone/>
-              <a:defRPr sz="1000"/>
+              <a:defRPr sz="900"/>
             </a:lvl5pPr>
             <a:lvl6pPr marL="2286000" indent="0">
               <a:buNone/>
-              <a:defRPr sz="1000"/>
+              <a:defRPr sz="900"/>
             </a:lvl6pPr>
             <a:lvl7pPr marL="2743200" indent="0">
               <a:buNone/>
-              <a:defRPr sz="1000"/>
+              <a:defRPr sz="900"/>
             </a:lvl7pPr>
             <a:lvl8pPr marL="3200400" indent="0">
               <a:buNone/>
-              <a:defRPr sz="1000"/>
+              <a:defRPr sz="900"/>
             </a:lvl8pPr>
             <a:lvl9pPr marL="3657600" indent="0">
               <a:buNone/>
-              <a:defRPr sz="1000"/>
+              <a:defRPr sz="900"/>
             </a:lvl9pPr>
           </a:lstStyle>
           <a:p>
@@ -2331,7 +2579,7 @@
       </p:sp>
       <p:sp>
         <p:nvSpPr>
-          <p:cNvPr id="5" name="Date Placeholder 4"/>
+          <p:cNvPr id="8" name="Date Placeholder 7"/>
           <p:cNvSpPr>
             <a:spLocks noGrp="1"/>
           </p:cNvSpPr>
@@ -2344,17 +2592,18 @@
           <a:bodyPr/>
           <a:lstStyle/>
           <a:p>
-            <a:fld id="{C4A4970A-6E2E-46B0-9CE5-28B580A54636}" type="datetimeFigureOut">
-              <a:rPr lang="en-US" smtClean="0"/>
-              <a:t>12/3/2016</a:t>
+            <a:fld id="{5586B75A-687E-405C-8A0B-8D00578BA2C3}" type="datetimeFigureOut">
+              <a:rPr lang="en-US" dirty="0"/>
+              <a:pPr/>
+              <a:t>12/4/2016</a:t>
             </a:fld>
-            <a:endParaRPr lang="en-US"/>
-          </a:p>
-        </p:txBody>
-      </p:sp>
-      <p:sp>
-        <p:nvSpPr>
-          <p:cNvPr id="6" name="Footer Placeholder 5"/>
+            <a:endParaRPr lang="en-US" dirty="0"/>
+          </a:p>
+        </p:txBody>
+      </p:sp>
+      <p:sp>
+        <p:nvSpPr>
+          <p:cNvPr id="9" name="Footer Placeholder 8"/>
           <p:cNvSpPr>
             <a:spLocks noGrp="1"/>
           </p:cNvSpPr>
@@ -2362,18 +2611,23 @@
             <p:ph type="ftr" sz="quarter" idx="11"/>
           </p:nvPr>
         </p:nvSpPr>
-        <p:spPr/>
-        <p:txBody>
-          <a:bodyPr/>
-          <a:lstStyle/>
-          <a:p>
-            <a:endParaRPr lang="en-US"/>
-          </a:p>
-        </p:txBody>
-      </p:sp>
-      <p:sp>
-        <p:nvSpPr>
-          <p:cNvPr id="7" name="Slide Number Placeholder 6"/>
+        <p:spPr>
+          <a:xfrm>
+            <a:off x="3499101" y="6356350"/>
+            <a:ext cx="5911517" cy="365125"/>
+          </a:xfrm>
+        </p:spPr>
+        <p:txBody>
+          <a:bodyPr/>
+          <a:lstStyle/>
+          <a:p>
+            <a:endParaRPr lang="en-US" dirty="0"/>
+          </a:p>
+        </p:txBody>
+      </p:sp>
+      <p:sp>
+        <p:nvSpPr>
+          <p:cNvPr id="10" name="Slide Number Placeholder 9"/>
           <p:cNvSpPr>
             <a:spLocks noGrp="1"/>
           </p:cNvSpPr>
@@ -2386,20 +2640,16 @@
           <a:bodyPr/>
           <a:lstStyle/>
           <a:p>
-            <a:fld id="{89DC04F5-8B4C-45C6-8E04-EA77C5C47A95}" type="slidenum">
-              <a:rPr lang="en-US" smtClean="0"/>
+            <a:fld id="{4FAB73BC-B049-4115-A692-8D63A059BFB8}" type="slidenum">
+              <a:rPr lang="en-US" dirty="0"/>
+              <a:pPr/>
               <a:t>‹#›</a:t>
             </a:fld>
-            <a:endParaRPr lang="en-US"/>
+            <a:endParaRPr lang="en-US" dirty="0"/>
           </a:p>
         </p:txBody>
       </p:sp>
     </p:spTree>
-    <p:extLst>
-      <p:ext uri="{BB962C8B-B14F-4D97-AF65-F5344CB8AC3E}">
-        <p14:creationId xmlns:p14="http://schemas.microsoft.com/office/powerpoint/2010/main" val="2994423531"/>
-      </p:ext>
-    </p:extLst>
   </p:cSld>
   <p:clrMapOvr>
     <a:masterClrMapping/>
@@ -2431,18 +2681,56 @@
       </p:grpSpPr>
       <p:sp>
         <p:nvSpPr>
-          <p:cNvPr id="2" name="Title Placeholder 1"/>
-          <p:cNvSpPr>
-            <a:spLocks noGrp="1"/>
-          </p:cNvSpPr>
-          <p:nvPr>
-            <p:ph type="title"/>
-          </p:nvPr>
+          <p:cNvPr id="7" name="Rectangle 6"/>
+          <p:cNvSpPr/>
+          <p:nvPr/>
         </p:nvSpPr>
         <p:spPr>
           <a:xfrm>
-            <a:off x="838200" y="365125"/>
-            <a:ext cx="10515600" cy="1325563"/>
+            <a:off x="1" y="758952"/>
+            <a:ext cx="3443590" cy="5330952"/>
+          </a:xfrm>
+          <a:prstGeom prst="rect">
+            <a:avLst/>
+          </a:prstGeom>
+          <a:solidFill>
+            <a:schemeClr val="accent1"/>
+          </a:solidFill>
+          <a:ln>
+            <a:noFill/>
+          </a:ln>
+        </p:spPr>
+        <p:style>
+          <a:lnRef idx="2">
+            <a:schemeClr val="accent1">
+              <a:shade val="50000"/>
+            </a:schemeClr>
+          </a:lnRef>
+          <a:fillRef idx="1">
+            <a:schemeClr val="accent1"/>
+          </a:fillRef>
+          <a:effectRef idx="0">
+            <a:schemeClr val="accent1"/>
+          </a:effectRef>
+          <a:fontRef idx="minor">
+            <a:schemeClr val="lt1"/>
+          </a:fontRef>
+        </p:style>
+      </p:sp>
+      <p:sp>
+        <p:nvSpPr>
+          <p:cNvPr id="2" name="Title Placeholder 1"/>
+          <p:cNvSpPr>
+            <a:spLocks noGrp="1"/>
+          </p:cNvSpPr>
+          <p:nvPr>
+            <p:ph type="title"/>
+          </p:nvPr>
+        </p:nvSpPr>
+        <p:spPr>
+          <a:xfrm>
+            <a:off x="252919" y="1123837"/>
+            <a:ext cx="2947482" cy="4601183"/>
           </a:xfrm>
           <a:prstGeom prst="rect">
             <a:avLst/>
@@ -2458,31 +2746,71 @@
               <a:rPr lang="en-US"/>
               <a:t>Click to edit Master title style</a:t>
             </a:r>
-            <a:endParaRPr lang="en-US"/>
-          </a:p>
-        </p:txBody>
-      </p:sp>
-      <p:sp>
-        <p:nvSpPr>
-          <p:cNvPr id="3" name="Text Placeholder 2"/>
-          <p:cNvSpPr>
-            <a:spLocks noGrp="1"/>
-          </p:cNvSpPr>
-          <p:nvPr>
-            <p:ph type="body" idx="1"/>
-          </p:nvPr>
+            <a:endParaRPr lang="en-US" dirty="0"/>
+          </a:p>
+        </p:txBody>
+      </p:sp>
+      <p:sp>
+        <p:nvSpPr>
+          <p:cNvPr id="38" name="Rectangle 37"/>
+          <p:cNvSpPr/>
+          <p:nvPr/>
         </p:nvSpPr>
         <p:spPr>
           <a:xfrm>
-            <a:off x="838200" y="1825625"/>
-            <a:ext cx="10515600" cy="4351338"/>
+            <a:off x="11815864" y="758952"/>
+            <a:ext cx="384048" cy="5330952"/>
+          </a:xfrm>
+          <a:prstGeom prst="rect">
+            <a:avLst/>
+          </a:prstGeom>
+          <a:solidFill>
+            <a:srgbClr val="C8C8C8">
+              <a:alpha val="49804"/>
+            </a:srgbClr>
+          </a:solidFill>
+          <a:ln>
+            <a:noFill/>
+          </a:ln>
+        </p:spPr>
+        <p:style>
+          <a:lnRef idx="2">
+            <a:schemeClr val="accent1">
+              <a:shade val="50000"/>
+            </a:schemeClr>
+          </a:lnRef>
+          <a:fillRef idx="1">
+            <a:schemeClr val="accent1"/>
+          </a:fillRef>
+          <a:effectRef idx="0">
+            <a:schemeClr val="accent1"/>
+          </a:effectRef>
+          <a:fontRef idx="minor">
+            <a:schemeClr val="lt1"/>
+          </a:fontRef>
+        </p:style>
+      </p:sp>
+      <p:sp>
+        <p:nvSpPr>
+          <p:cNvPr id="3" name="Text Placeholder 2"/>
+          <p:cNvSpPr>
+            <a:spLocks noGrp="1"/>
+          </p:cNvSpPr>
+          <p:nvPr>
+            <p:ph type="body" idx="1"/>
+          </p:nvPr>
+        </p:nvSpPr>
+        <p:spPr>
+          <a:xfrm>
+            <a:off x="3869268" y="864108"/>
+            <a:ext cx="7315200" cy="5120640"/>
           </a:xfrm>
           <a:prstGeom prst="rect">
             <a:avLst/>
           </a:prstGeom>
         </p:spPr>
         <p:txBody>
-          <a:bodyPr vert="horz" lIns="91440" tIns="45720" rIns="91440" bIns="45720" rtlCol="0">
+          <a:bodyPr vert="horz" lIns="91440" tIns="45720" rIns="91440" bIns="45720" rtlCol="0" anchor="ctr">
             <a:normAutofit/>
           </a:bodyPr>
           <a:lstStyle/>
@@ -2520,7 +2848,7 @@
               <a:rPr lang="en-US"/>
               <a:t>Fifth level</a:t>
             </a:r>
-            <a:endParaRPr lang="en-US"/>
+            <a:endParaRPr lang="en-US" dirty="0"/>
           </a:p>
         </p:txBody>
       </p:sp>
@@ -2536,7 +2864,7 @@
         </p:nvSpPr>
         <p:spPr>
           <a:xfrm>
-            <a:off x="838200" y="6356350"/>
+            <a:off x="262465" y="6356350"/>
             <a:ext cx="2743200" cy="365125"/>
           </a:xfrm>
           <a:prstGeom prst="rect">
@@ -2547,21 +2875,23 @@
           <a:bodyPr vert="horz" lIns="91440" tIns="45720" rIns="91440" bIns="45720" rtlCol="0" anchor="ctr"/>
           <a:lstStyle>
             <a:lvl1pPr algn="l">
-              <a:defRPr sz="1200">
+              <a:defRPr sz="1100">
                 <a:solidFill>
                   <a:schemeClr val="tx1">
-                    <a:tint val="75000"/>
+                    <a:lumMod val="50000"/>
+                    <a:lumOff val="50000"/>
                   </a:schemeClr>
                 </a:solidFill>
               </a:defRPr>
             </a:lvl1pPr>
           </a:lstStyle>
           <a:p>
-            <a:fld id="{C4A4970A-6E2E-46B0-9CE5-28B580A54636}" type="datetimeFigureOut">
-              <a:rPr lang="en-US" smtClean="0"/>
-              <a:t>12/3/2016</a:t>
+            <a:fld id="{5586B75A-687E-405C-8A0B-8D00578BA2C3}" type="datetimeFigureOut">
+              <a:rPr lang="en-US" dirty="0"/>
+              <a:pPr/>
+              <a:t>12/4/2016</a:t>
             </a:fld>
-            <a:endParaRPr lang="en-US"/>
+            <a:endParaRPr lang="en-US" dirty="0"/>
           </a:p>
         </p:txBody>
       </p:sp>
@@ -2577,8 +2907,8 @@
         </p:nvSpPr>
         <p:spPr>
           <a:xfrm>
-            <a:off x="4038600" y="6356350"/>
-            <a:ext cx="4114800" cy="365125"/>
+            <a:off x="3869268" y="6356350"/>
+            <a:ext cx="5911517" cy="365125"/>
           </a:xfrm>
           <a:prstGeom prst="rect">
             <a:avLst/>
@@ -2587,18 +2917,19 @@
         <p:txBody>
           <a:bodyPr vert="horz" lIns="91440" tIns="45720" rIns="91440" bIns="45720" rtlCol="0" anchor="ctr"/>
           <a:lstStyle>
-            <a:lvl1pPr algn="ctr">
-              <a:defRPr sz="1200">
+            <a:lvl1pPr algn="l">
+              <a:defRPr sz="1100">
                 <a:solidFill>
                   <a:schemeClr val="tx1">
-                    <a:tint val="75000"/>
+                    <a:lumMod val="50000"/>
+                    <a:lumOff val="50000"/>
                   </a:schemeClr>
                 </a:solidFill>
               </a:defRPr>
             </a:lvl1pPr>
           </a:lstStyle>
           <a:p>
-            <a:endParaRPr lang="en-US"/>
+            <a:endParaRPr lang="en-US" dirty="0"/>
           </a:p>
         </p:txBody>
       </p:sp>
@@ -2614,8 +2945,8 @@
         </p:nvSpPr>
         <p:spPr>
           <a:xfrm>
-            <a:off x="8610600" y="6356350"/>
-            <a:ext cx="2743200" cy="365125"/>
+            <a:off x="10634135" y="6356350"/>
+            <a:ext cx="1530927" cy="365125"/>
           </a:xfrm>
           <a:prstGeom prst="rect">
             <a:avLst/>
@@ -2625,45 +2956,40 @@
           <a:bodyPr vert="horz" lIns="91440" tIns="45720" rIns="91440" bIns="45720" rtlCol="0" anchor="ctr"/>
           <a:lstStyle>
             <a:lvl1pPr algn="r">
-              <a:defRPr sz="1200">
+              <a:defRPr sz="1200" b="1">
                 <a:solidFill>
-                  <a:schemeClr val="tx1">
-                    <a:tint val="75000"/>
-                  </a:schemeClr>
+                  <a:schemeClr val="accent1"/>
                 </a:solidFill>
               </a:defRPr>
             </a:lvl1pPr>
           </a:lstStyle>
           <a:p>
-            <a:fld id="{89DC04F5-8B4C-45C6-8E04-EA77C5C47A95}" type="slidenum">
-              <a:rPr lang="en-US" smtClean="0"/>
+            <a:fld id="{4FAB73BC-B049-4115-A692-8D63A059BFB8}" type="slidenum">
+              <a:rPr lang="en-US" dirty="0"/>
+              <a:pPr/>
               <a:t>‹#›</a:t>
             </a:fld>
-            <a:endParaRPr lang="en-US"/>
+            <a:endParaRPr lang="en-US" dirty="0"/>
           </a:p>
         </p:txBody>
       </p:sp>
     </p:spTree>
-    <p:extLst>
-      <p:ext uri="{BB962C8B-B14F-4D97-AF65-F5344CB8AC3E}">
-        <p14:creationId xmlns:p14="http://schemas.microsoft.com/office/powerpoint/2010/main" val="321138280"/>
-      </p:ext>
-    </p:extLst>
   </p:cSld>
   <p:clrMap bg1="lt1" tx1="dk1" bg2="lt2" tx2="dk2" accent1="accent1" accent2="accent2" accent3="accent3" accent4="accent4" accent5="accent5" accent6="accent6" hlink="hlink" folHlink="folHlink"/>
   <p:sldLayoutIdLst>
-    <p:sldLayoutId id="2147483649" r:id="rId1"/>
-    <p:sldLayoutId id="2147483650" r:id="rId2"/>
-    <p:sldLayoutId id="2147483651" r:id="rId3"/>
-    <p:sldLayoutId id="2147483652" r:id="rId4"/>
-    <p:sldLayoutId id="2147483653" r:id="rId5"/>
-    <p:sldLayoutId id="2147483654" r:id="rId6"/>
-    <p:sldLayoutId id="2147483655" r:id="rId7"/>
-    <p:sldLayoutId id="2147483656" r:id="rId8"/>
-    <p:sldLayoutId id="2147483657" r:id="rId9"/>
-    <p:sldLayoutId id="2147483658" r:id="rId10"/>
-    <p:sldLayoutId id="2147483659" r:id="rId11"/>
+    <p:sldLayoutId id="2147483841" r:id="rId1"/>
+    <p:sldLayoutId id="2147483842" r:id="rId2"/>
+    <p:sldLayoutId id="2147483843" r:id="rId3"/>
+    <p:sldLayoutId id="2147483844" r:id="rId4"/>
+    <p:sldLayoutId id="2147483845" r:id="rId5"/>
+    <p:sldLayoutId id="2147483846" r:id="rId6"/>
+    <p:sldLayoutId id="2147483847" r:id="rId7"/>
+    <p:sldLayoutId id="2147483848" r:id="rId8"/>
+    <p:sldLayoutId id="2147483849" r:id="rId9"/>
+    <p:sldLayoutId id="2147483850" r:id="rId10"/>
+    <p:sldLayoutId id="2147483851" r:id="rId11"/>
   </p:sldLayoutIdLst>
+  <p:hf sldNum="0" hdr="0" ftr="0" dt="0"/>
   <p:txStyles>
     <p:titleStyle>
       <a:lvl1pPr algn="l" defTabSz="914400" rtl="0" eaLnBrk="1" latinLnBrk="0" hangingPunct="1">
@@ -2674,9 +3000,9 @@
           <a:spcPct val="0"/>
         </a:spcBef>
         <a:buNone/>
-        <a:defRPr sz="4400" kern="1200">
+        <a:defRPr sz="3600" kern="1200" spc="-60" baseline="0">
           <a:solidFill>
-            <a:schemeClr val="tx1"/>
+            <a:srgbClr val="FFFFFF"/>
           </a:solidFill>
           <a:latin typeface="+mj-lt"/>
           <a:ea typeface="+mj-ea"/>
@@ -2685,90 +3011,132 @@
       </a:lvl1pPr>
     </p:titleStyle>
     <p:bodyStyle>
-      <a:lvl1pPr marL="228600" indent="-228600" algn="l" defTabSz="914400" rtl="0" eaLnBrk="1" latinLnBrk="0" hangingPunct="1">
+      <a:lvl1pPr marL="182880" indent="-182880" algn="l" defTabSz="914400" rtl="0" eaLnBrk="1" latinLnBrk="0" hangingPunct="1">
         <a:lnSpc>
           <a:spcPct val="90000"/>
         </a:lnSpc>
         <a:spcBef>
-          <a:spcPts val="1000"/>
+          <a:spcPts val="1200"/>
         </a:spcBef>
-        <a:buFont typeface="Arial" panose="020B0604020202020204" pitchFamily="34" charset="0"/>
-        <a:buChar char="•"/>
-        <a:defRPr sz="2800" kern="1200">
+        <a:buClr>
+          <a:schemeClr val="accent1"/>
+        </a:buClr>
+        <a:buFont typeface="Wingdings 2" pitchFamily="18" charset="2"/>
+        <a:buChar char=""/>
+        <a:defRPr sz="2000" kern="1200">
           <a:solidFill>
-            <a:schemeClr val="tx1"/>
+            <a:schemeClr val="tx1">
+              <a:lumMod val="65000"/>
+              <a:lumOff val="35000"/>
+            </a:schemeClr>
           </a:solidFill>
           <a:latin typeface="+mn-lt"/>
           <a:ea typeface="+mn-ea"/>
           <a:cs typeface="+mn-cs"/>
         </a:defRPr>
       </a:lvl1pPr>
-      <a:lvl2pPr marL="685800" indent="-228600" algn="l" defTabSz="914400" rtl="0" eaLnBrk="1" latinLnBrk="0" hangingPunct="1">
+      <a:lvl2pPr marL="685800" indent="-182880" algn="l" defTabSz="914400" rtl="0" eaLnBrk="1" latinLnBrk="0" hangingPunct="1">
         <a:lnSpc>
           <a:spcPct val="90000"/>
         </a:lnSpc>
         <a:spcBef>
-          <a:spcPts val="500"/>
+          <a:spcPts val="250"/>
         </a:spcBef>
-        <a:buFont typeface="Arial" panose="020B0604020202020204" pitchFamily="34" charset="0"/>
-        <a:buChar char="•"/>
-        <a:defRPr sz="2400" kern="1200">
+        <a:spcAft>
+          <a:spcPts val="250"/>
+        </a:spcAft>
+        <a:buClr>
+          <a:schemeClr val="accent1"/>
+        </a:buClr>
+        <a:buFont typeface="Wingdings 2" pitchFamily="18" charset="2"/>
+        <a:buChar char=""/>
+        <a:defRPr sz="1800" kern="1200">
           <a:solidFill>
-            <a:schemeClr val="tx1"/>
+            <a:schemeClr val="tx1">
+              <a:lumMod val="65000"/>
+              <a:lumOff val="35000"/>
+            </a:schemeClr>
           </a:solidFill>
           <a:latin typeface="+mn-lt"/>
           <a:ea typeface="+mn-ea"/>
           <a:cs typeface="+mn-cs"/>
         </a:defRPr>
       </a:lvl2pPr>
-      <a:lvl3pPr marL="1143000" indent="-228600" algn="l" defTabSz="914400" rtl="0" eaLnBrk="1" latinLnBrk="0" hangingPunct="1">
+      <a:lvl3pPr marL="1143000" indent="-182880" algn="l" defTabSz="914400" rtl="0" eaLnBrk="1" latinLnBrk="0" hangingPunct="1">
         <a:lnSpc>
           <a:spcPct val="90000"/>
         </a:lnSpc>
         <a:spcBef>
-          <a:spcPts val="500"/>
+          <a:spcPts val="250"/>
         </a:spcBef>
-        <a:buFont typeface="Arial" panose="020B0604020202020204" pitchFamily="34" charset="0"/>
-        <a:buChar char="•"/>
-        <a:defRPr sz="2000" kern="1200">
+        <a:spcAft>
+          <a:spcPts val="250"/>
+        </a:spcAft>
+        <a:buClr>
+          <a:schemeClr val="accent1"/>
+        </a:buClr>
+        <a:buFont typeface="Wingdings 2" pitchFamily="18" charset="2"/>
+        <a:buChar char=""/>
+        <a:defRPr sz="1600" kern="1200">
           <a:solidFill>
-            <a:schemeClr val="tx1"/>
+            <a:schemeClr val="tx1">
+              <a:lumMod val="65000"/>
+              <a:lumOff val="35000"/>
+            </a:schemeClr>
           </a:solidFill>
           <a:latin typeface="+mn-lt"/>
           <a:ea typeface="+mn-ea"/>
           <a:cs typeface="+mn-cs"/>
         </a:defRPr>
       </a:lvl3pPr>
-      <a:lvl4pPr marL="1600200" indent="-228600" algn="l" defTabSz="914400" rtl="0" eaLnBrk="1" latinLnBrk="0" hangingPunct="1">
+      <a:lvl4pPr marL="1600200" indent="-182880" algn="l" defTabSz="914400" rtl="0" eaLnBrk="1" latinLnBrk="0" hangingPunct="1">
         <a:lnSpc>
           <a:spcPct val="90000"/>
         </a:lnSpc>
         <a:spcBef>
-          <a:spcPts val="500"/>
+          <a:spcPts val="250"/>
         </a:spcBef>
-        <a:buFont typeface="Arial" panose="020B0604020202020204" pitchFamily="34" charset="0"/>
-        <a:buChar char="•"/>
-        <a:defRPr sz="1800" kern="1200">
+        <a:spcAft>
+          <a:spcPts val="250"/>
+        </a:spcAft>
+        <a:buClr>
+          <a:schemeClr val="accent1"/>
+        </a:buClr>
+        <a:buFont typeface="Wingdings 2" pitchFamily="18" charset="2"/>
+        <a:buChar char=""/>
+        <a:defRPr sz="1400" kern="1200">
           <a:solidFill>
-            <a:schemeClr val="tx1"/>
+            <a:schemeClr val="tx1">
+              <a:lumMod val="65000"/>
+              <a:lumOff val="35000"/>
+            </a:schemeClr>
           </a:solidFill>
           <a:latin typeface="+mn-lt"/>
           <a:ea typeface="+mn-ea"/>
           <a:cs typeface="+mn-cs"/>
         </a:defRPr>
       </a:lvl4pPr>
-      <a:lvl5pPr marL="2057400" indent="-228600" algn="l" defTabSz="914400" rtl="0" eaLnBrk="1" latinLnBrk="0" hangingPunct="1">
+      <a:lvl5pPr marL="2057400" indent="-182880" algn="l" defTabSz="914400" rtl="0" eaLnBrk="1" latinLnBrk="0" hangingPunct="1">
         <a:lnSpc>
           <a:spcPct val="90000"/>
         </a:lnSpc>
         <a:spcBef>
-          <a:spcPts val="500"/>
+          <a:spcPts val="250"/>
         </a:spcBef>
-        <a:buFont typeface="Arial" panose="020B0604020202020204" pitchFamily="34" charset="0"/>
-        <a:buChar char="•"/>
-        <a:defRPr sz="1800" kern="1200">
+        <a:spcAft>
+          <a:spcPts val="250"/>
+        </a:spcAft>
+        <a:buClr>
+          <a:schemeClr val="accent1"/>
+        </a:buClr>
+        <a:buFont typeface="Wingdings 2" pitchFamily="18" charset="2"/>
+        <a:buChar char=""/>
+        <a:defRPr sz="1400" kern="1200">
           <a:solidFill>
-            <a:schemeClr val="tx1"/>
+            <a:schemeClr val="tx1">
+              <a:lumMod val="65000"/>
+              <a:lumOff val="35000"/>
+            </a:schemeClr>
           </a:solidFill>
           <a:latin typeface="+mn-lt"/>
           <a:ea typeface="+mn-ea"/>
@@ -2780,13 +3148,22 @@
           <a:spcPct val="90000"/>
         </a:lnSpc>
         <a:spcBef>
-          <a:spcPts val="500"/>
+          <a:spcPts val="250"/>
         </a:spcBef>
-        <a:buFont typeface="Arial" panose="020B0604020202020204" pitchFamily="34" charset="0"/>
-        <a:buChar char="•"/>
-        <a:defRPr sz="1800" kern="1200">
+        <a:spcAft>
+          <a:spcPts val="250"/>
+        </a:spcAft>
+        <a:buClr>
+          <a:schemeClr val="accent1"/>
+        </a:buClr>
+        <a:buFont typeface="Wingdings 2" pitchFamily="18" charset="2"/>
+        <a:buChar char=""/>
+        <a:defRPr sz="1400" kern="1200">
           <a:solidFill>
-            <a:schemeClr val="tx1"/>
+            <a:schemeClr val="tx1">
+              <a:lumMod val="65000"/>
+              <a:lumOff val="35000"/>
+            </a:schemeClr>
           </a:solidFill>
           <a:latin typeface="+mn-lt"/>
           <a:ea typeface="+mn-ea"/>
@@ -2798,13 +3175,22 @@
           <a:spcPct val="90000"/>
         </a:lnSpc>
         <a:spcBef>
-          <a:spcPts val="500"/>
+          <a:spcPts val="250"/>
         </a:spcBef>
-        <a:buFont typeface="Arial" panose="020B0604020202020204" pitchFamily="34" charset="0"/>
-        <a:buChar char="•"/>
-        <a:defRPr sz="1800" kern="1200">
+        <a:spcAft>
+          <a:spcPts val="250"/>
+        </a:spcAft>
+        <a:buClr>
+          <a:schemeClr val="accent1"/>
+        </a:buClr>
+        <a:buFont typeface="Wingdings 2" pitchFamily="18" charset="2"/>
+        <a:buChar char=""/>
+        <a:defRPr sz="1400" kern="1200">
           <a:solidFill>
-            <a:schemeClr val="tx1"/>
+            <a:schemeClr val="tx1">
+              <a:lumMod val="65000"/>
+              <a:lumOff val="35000"/>
+            </a:schemeClr>
           </a:solidFill>
           <a:latin typeface="+mn-lt"/>
           <a:ea typeface="+mn-ea"/>
@@ -2816,13 +3202,22 @@
           <a:spcPct val="90000"/>
         </a:lnSpc>
         <a:spcBef>
-          <a:spcPts val="500"/>
+          <a:spcPts val="250"/>
         </a:spcBef>
-        <a:buFont typeface="Arial" panose="020B0604020202020204" pitchFamily="34" charset="0"/>
-        <a:buChar char="•"/>
-        <a:defRPr sz="1800" kern="1200">
+        <a:spcAft>
+          <a:spcPts val="250"/>
+        </a:spcAft>
+        <a:buClr>
+          <a:schemeClr val="accent1"/>
+        </a:buClr>
+        <a:buFont typeface="Wingdings 2" pitchFamily="18" charset="2"/>
+        <a:buChar char=""/>
+        <a:defRPr sz="1400" kern="1200">
           <a:solidFill>
-            <a:schemeClr val="tx1"/>
+            <a:schemeClr val="tx1">
+              <a:lumMod val="65000"/>
+              <a:lumOff val="35000"/>
+            </a:schemeClr>
           </a:solidFill>
           <a:latin typeface="+mn-lt"/>
           <a:ea typeface="+mn-ea"/>
@@ -2834,13 +3229,22 @@
           <a:spcPct val="90000"/>
         </a:lnSpc>
         <a:spcBef>
-          <a:spcPts val="500"/>
+          <a:spcPts val="250"/>
         </a:spcBef>
-        <a:buFont typeface="Arial" panose="020B0604020202020204" pitchFamily="34" charset="0"/>
-        <a:buChar char="•"/>
-        <a:defRPr sz="1800" kern="1200">
+        <a:spcAft>
+          <a:spcPts val="250"/>
+        </a:spcAft>
+        <a:buClr>
+          <a:schemeClr val="accent1"/>
+        </a:buClr>
+        <a:buFont typeface="Wingdings 2" pitchFamily="18" charset="2"/>
+        <a:buChar char=""/>
+        <a:defRPr sz="1400" kern="1200">
           <a:solidFill>
-            <a:schemeClr val="tx1"/>
+            <a:schemeClr val="tx1">
+              <a:lumMod val="65000"/>
+              <a:lumOff val="35000"/>
+            </a:schemeClr>
           </a:solidFill>
           <a:latin typeface="+mn-lt"/>
           <a:ea typeface="+mn-ea"/>
@@ -2979,7 +3383,10 @@
           <a:bodyPr/>
           <a:lstStyle/>
           <a:p>
-            <a:endParaRPr lang="en-US"/>
+            <a:r>
+              <a:rPr lang="en-US" dirty="0"/>
+              <a:t>PRINCIPLES OF BIG DATA  MANAGEMENT</a:t>
+            </a:r>
           </a:p>
         </p:txBody>
       </p:sp>
@@ -2997,6 +3404,18 @@
         <p:txBody>
           <a:bodyPr/>
           <a:lstStyle/>
+          <a:p>
+            <a:r>
+              <a:rPr lang="en-US" dirty="0"/>
+              <a:t>Analysis of data collected on different categories of diseases</a:t>
+            </a:r>
+          </a:p>
+          <a:p>
+            <a:r>
+              <a:rPr lang="en-US"/>
+              <a:t>From twitter</a:t>
+            </a:r>
+          </a:p>
           <a:p>
             <a:endParaRPr lang="en-US"/>
           </a:p>
@@ -3005,7 +3424,792 @@
     </p:spTree>
     <p:extLst>
       <p:ext uri="{BB962C8B-B14F-4D97-AF65-F5344CB8AC3E}">
-        <p14:creationId xmlns:p14="http://schemas.microsoft.com/office/powerpoint/2010/main" val="491443755"/>
+        <p14:creationId xmlns:p14="http://schemas.microsoft.com/office/powerpoint/2010/main" val="1582161632"/>
+      </p:ext>
+    </p:extLst>
+  </p:cSld>
+  <p:clrMapOvr>
+    <a:masterClrMapping/>
+  </p:clrMapOvr>
+</p:sld>
+</file>
+
+<file path=ppt/slides/slide2.xml><?xml version="1.0" encoding="utf-8"?>
+<p:sld xmlns:a="http://schemas.openxmlformats.org/drawingml/2006/main" xmlns:r="http://schemas.openxmlformats.org/officeDocument/2006/relationships" xmlns:p="http://schemas.openxmlformats.org/presentationml/2006/main">
+  <p:cSld>
+    <p:spTree>
+      <p:nvGrpSpPr>
+        <p:cNvPr id="1" name=""/>
+        <p:cNvGrpSpPr/>
+        <p:nvPr/>
+      </p:nvGrpSpPr>
+      <p:grpSpPr>
+        <a:xfrm>
+          <a:off x="0" y="0"/>
+          <a:ext cx="0" cy="0"/>
+          <a:chOff x="0" y="0"/>
+          <a:chExt cx="0" cy="0"/>
+        </a:xfrm>
+      </p:grpSpPr>
+      <p:sp>
+        <p:nvSpPr>
+          <p:cNvPr id="2" name="Title 1"/>
+          <p:cNvSpPr>
+            <a:spLocks noGrp="1"/>
+          </p:cNvSpPr>
+          <p:nvPr>
+            <p:ph type="title"/>
+          </p:nvPr>
+        </p:nvSpPr>
+        <p:spPr/>
+        <p:txBody>
+          <a:bodyPr/>
+          <a:lstStyle/>
+          <a:p>
+            <a:r>
+              <a:rPr lang="en-US" b="1" dirty="0"/>
+              <a:t>Tweet count on different diseases</a:t>
+            </a:r>
+            <a:endParaRPr lang="en-US" dirty="0"/>
+          </a:p>
+        </p:txBody>
+      </p:sp>
+      <p:sp>
+        <p:nvSpPr>
+          <p:cNvPr id="4" name="Text Placeholder 3"/>
+          <p:cNvSpPr>
+            <a:spLocks noGrp="1"/>
+          </p:cNvSpPr>
+          <p:nvPr>
+            <p:ph type="body" sz="half" idx="2"/>
+          </p:nvPr>
+        </p:nvSpPr>
+        <p:spPr/>
+        <p:txBody>
+          <a:bodyPr>
+            <a:normAutofit fontScale="92500" lnSpcReduction="20000"/>
+          </a:bodyPr>
+          <a:lstStyle/>
+          <a:p>
+            <a:r>
+              <a:rPr lang="en-US" dirty="0"/>
+              <a:t>In this query  we are fetching maximum count of tweets done by a user on particular disease. This query is written using RDD. Initially for each disease the top tweeted user is fetched and UNION RDD is used to club all the diseases.</a:t>
+            </a:r>
+          </a:p>
+          <a:p>
+            <a:r>
+              <a:rPr lang="en-US" dirty="0"/>
+              <a:t>Visually, we used a PIE Chart to determine on which disease more number of tweets were posted. The visualization is done dynamically by passing the key value pairs to the </a:t>
+            </a:r>
+            <a:r>
+              <a:rPr lang="en-US" dirty="0" err="1"/>
+              <a:t>jsp</a:t>
+            </a:r>
+            <a:r>
+              <a:rPr lang="en-US" dirty="0"/>
+              <a:t> file for visualization.</a:t>
+            </a:r>
+          </a:p>
+        </p:txBody>
+      </p:sp>
+      <p:pic>
+        <p:nvPicPr>
+          <p:cNvPr id="7" name="Picture 6"/>
+          <p:cNvPicPr/>
+          <p:nvPr/>
+        </p:nvPicPr>
+        <p:blipFill>
+          <a:blip r:embed="rId2" cstate="print">
+            <a:extLst>
+              <a:ext uri="{28A0092B-C50C-407E-A947-70E740481C1C}">
+                <a14:useLocalDpi xmlns:a14="http://schemas.microsoft.com/office/drawing/2010/main" val="0"/>
+              </a:ext>
+            </a:extLst>
+          </a:blip>
+          <a:srcRect/>
+          <a:stretch>
+            <a:fillRect/>
+          </a:stretch>
+        </p:blipFill>
+        <p:spPr bwMode="auto">
+          <a:xfrm>
+            <a:off x="3867912" y="1143000"/>
+            <a:ext cx="7326086" cy="4343400"/>
+          </a:xfrm>
+          <a:prstGeom prst="rect">
+            <a:avLst/>
+          </a:prstGeom>
+          <a:noFill/>
+          <a:ln>
+            <a:noFill/>
+          </a:ln>
+        </p:spPr>
+      </p:pic>
+    </p:spTree>
+    <p:extLst>
+      <p:ext uri="{BB962C8B-B14F-4D97-AF65-F5344CB8AC3E}">
+        <p14:creationId xmlns:p14="http://schemas.microsoft.com/office/powerpoint/2010/main" val="3048546012"/>
+      </p:ext>
+    </p:extLst>
+  </p:cSld>
+  <p:clrMapOvr>
+    <a:masterClrMapping/>
+  </p:clrMapOvr>
+</p:sld>
+</file>
+
+<file path=ppt/slides/slide3.xml><?xml version="1.0" encoding="utf-8"?>
+<p:sld xmlns:a="http://schemas.openxmlformats.org/drawingml/2006/main" xmlns:r="http://schemas.openxmlformats.org/officeDocument/2006/relationships" xmlns:p="http://schemas.openxmlformats.org/presentationml/2006/main">
+  <p:cSld>
+    <p:spTree>
+      <p:nvGrpSpPr>
+        <p:cNvPr id="1" name=""/>
+        <p:cNvGrpSpPr/>
+        <p:nvPr/>
+      </p:nvGrpSpPr>
+      <p:grpSpPr>
+        <a:xfrm>
+          <a:off x="0" y="0"/>
+          <a:ext cx="0" cy="0"/>
+          <a:chOff x="0" y="0"/>
+          <a:chExt cx="0" cy="0"/>
+        </a:xfrm>
+      </p:grpSpPr>
+      <p:sp>
+        <p:nvSpPr>
+          <p:cNvPr id="2" name="Title 1"/>
+          <p:cNvSpPr>
+            <a:spLocks noGrp="1"/>
+          </p:cNvSpPr>
+          <p:nvPr>
+            <p:ph type="title"/>
+          </p:nvPr>
+        </p:nvSpPr>
+        <p:spPr/>
+        <p:txBody>
+          <a:bodyPr/>
+          <a:lstStyle/>
+          <a:p>
+            <a:r>
+              <a:rPr lang="en-US" b="1" dirty="0"/>
+              <a:t>Countries that tweeted more on Diseases</a:t>
+            </a:r>
+            <a:endParaRPr lang="en-US" dirty="0"/>
+          </a:p>
+        </p:txBody>
+      </p:sp>
+      <p:sp>
+        <p:nvSpPr>
+          <p:cNvPr id="4" name="Text Placeholder 3"/>
+          <p:cNvSpPr>
+            <a:spLocks noGrp="1"/>
+          </p:cNvSpPr>
+          <p:nvPr>
+            <p:ph type="body" sz="half" idx="2"/>
+          </p:nvPr>
+        </p:nvSpPr>
+        <p:spPr/>
+        <p:txBody>
+          <a:bodyPr>
+            <a:normAutofit fontScale="92500" lnSpcReduction="20000"/>
+          </a:bodyPr>
+          <a:lstStyle/>
+          <a:p>
+            <a:r>
+              <a:rPr lang="en-US" dirty="0"/>
+              <a:t>In this query the top countries that tweeted more on diseases is fetched. First the location in tweets are fetched from tweets file and count is displayed as shown below</a:t>
+            </a:r>
+          </a:p>
+          <a:p>
+            <a:r>
+              <a:rPr lang="en-US" dirty="0"/>
+              <a:t>Visually, we used a google Map Chart to determine which country tweeted more number of tweets. The visualization isn’t dynamics though, in which we first run the </a:t>
+            </a:r>
+            <a:r>
+              <a:rPr lang="en-US" dirty="0" err="1"/>
+              <a:t>scala</a:t>
+            </a:r>
+            <a:r>
+              <a:rPr lang="en-US" dirty="0"/>
+              <a:t> code in </a:t>
+            </a:r>
+            <a:r>
+              <a:rPr lang="en-US" dirty="0" err="1"/>
+              <a:t>Intellij</a:t>
+            </a:r>
+            <a:r>
+              <a:rPr lang="en-US" dirty="0"/>
+              <a:t> and saved the output in a file and finally passed this file to Map chart.</a:t>
+            </a:r>
+          </a:p>
+          <a:p>
+            <a:endParaRPr lang="en-US" dirty="0"/>
+          </a:p>
+        </p:txBody>
+      </p:sp>
+      <p:pic>
+        <p:nvPicPr>
+          <p:cNvPr id="3074" name="Picture 2" descr="C:\Users\gattu\AppData\Local\Microsoft\Windows\INetCacheContent.Word\image (5).png"/>
+          <p:cNvPicPr>
+            <a:picLocks noGrp="1" noChangeAspect="1" noChangeArrowheads="1"/>
+          </p:cNvPicPr>
+          <p:nvPr>
+            <p:ph idx="1"/>
+          </p:nvPr>
+        </p:nvPicPr>
+        <p:blipFill>
+          <a:blip r:embed="rId2">
+            <a:extLst>
+              <a:ext uri="{28A0092B-C50C-407E-A947-70E740481C1C}">
+                <a14:useLocalDpi xmlns:a14="http://schemas.microsoft.com/office/drawing/2010/main" val="0"/>
+              </a:ext>
+            </a:extLst>
+          </a:blip>
+          <a:srcRect/>
+          <a:stretch>
+            <a:fillRect/>
+          </a:stretch>
+        </p:blipFill>
+        <p:spPr bwMode="auto">
+          <a:xfrm>
+            <a:off x="3566161" y="802640"/>
+            <a:ext cx="8413252" cy="5171439"/>
+          </a:xfrm>
+          <a:prstGeom prst="rect">
+            <a:avLst/>
+          </a:prstGeom>
+          <a:noFill/>
+          <a:extLst>
+            <a:ext uri="{909E8E84-426E-40DD-AFC4-6F175D3DCCD1}">
+              <a14:hiddenFill xmlns:a14="http://schemas.microsoft.com/office/drawing/2010/main">
+                <a:solidFill>
+                  <a:srgbClr val="FFFFFF"/>
+                </a:solidFill>
+              </a14:hiddenFill>
+            </a:ext>
+          </a:extLst>
+        </p:spPr>
+      </p:pic>
+    </p:spTree>
+    <p:extLst>
+      <p:ext uri="{BB962C8B-B14F-4D97-AF65-F5344CB8AC3E}">
+        <p14:creationId xmlns:p14="http://schemas.microsoft.com/office/powerpoint/2010/main" val="2982403253"/>
+      </p:ext>
+    </p:extLst>
+  </p:cSld>
+  <p:clrMapOvr>
+    <a:masterClrMapping/>
+  </p:clrMapOvr>
+</p:sld>
+</file>
+
+<file path=ppt/slides/slide4.xml><?xml version="1.0" encoding="utf-8"?>
+<p:sld xmlns:a="http://schemas.openxmlformats.org/drawingml/2006/main" xmlns:r="http://schemas.openxmlformats.org/officeDocument/2006/relationships" xmlns:p="http://schemas.openxmlformats.org/presentationml/2006/main">
+  <p:cSld>
+    <p:spTree>
+      <p:nvGrpSpPr>
+        <p:cNvPr id="1" name=""/>
+        <p:cNvGrpSpPr/>
+        <p:nvPr/>
+      </p:nvGrpSpPr>
+      <p:grpSpPr>
+        <a:xfrm>
+          <a:off x="0" y="0"/>
+          <a:ext cx="0" cy="0"/>
+          <a:chOff x="0" y="0"/>
+          <a:chExt cx="0" cy="0"/>
+        </a:xfrm>
+      </p:grpSpPr>
+      <p:sp>
+        <p:nvSpPr>
+          <p:cNvPr id="2" name="Title 1"/>
+          <p:cNvSpPr>
+            <a:spLocks noGrp="1"/>
+          </p:cNvSpPr>
+          <p:nvPr>
+            <p:ph type="title"/>
+          </p:nvPr>
+        </p:nvSpPr>
+        <p:spPr/>
+        <p:txBody>
+          <a:bodyPr/>
+          <a:lstStyle/>
+          <a:p>
+            <a:r>
+              <a:rPr lang="en-US" b="1" dirty="0"/>
+              <a:t>Popular </a:t>
+            </a:r>
+            <a:r>
+              <a:rPr lang="en-US" b="1" dirty="0" err="1"/>
+              <a:t>HashTags</a:t>
+            </a:r>
+            <a:endParaRPr lang="en-US" dirty="0"/>
+          </a:p>
+        </p:txBody>
+      </p:sp>
+      <p:sp>
+        <p:nvSpPr>
+          <p:cNvPr id="4" name="Text Placeholder 3"/>
+          <p:cNvSpPr>
+            <a:spLocks noGrp="1"/>
+          </p:cNvSpPr>
+          <p:nvPr>
+            <p:ph type="body" sz="half" idx="2"/>
+          </p:nvPr>
+        </p:nvSpPr>
+        <p:spPr/>
+        <p:txBody>
+          <a:bodyPr/>
+          <a:lstStyle/>
+          <a:p>
+            <a:r>
+              <a:rPr lang="en-US" dirty="0"/>
+              <a:t>In this query, we took popular hash tags text file from blackboard and performed JOIN operation with hash tags from diseases tweets file.</a:t>
+            </a:r>
+          </a:p>
+          <a:p>
+            <a:r>
+              <a:rPr lang="en-US" dirty="0"/>
+              <a:t>We passed the csv file as an input for visualization and used bubbles to display the hash tags.</a:t>
+            </a:r>
+          </a:p>
+          <a:p>
+            <a:endParaRPr lang="en-US" dirty="0"/>
+          </a:p>
+        </p:txBody>
+      </p:sp>
+      <p:pic>
+        <p:nvPicPr>
+          <p:cNvPr id="4098" name="Picture 2" descr="C:\Users\gattu\AppData\Local\Microsoft\Windows\INetCacheContent.Word\image (7).png"/>
+          <p:cNvPicPr>
+            <a:picLocks noGrp="1" noChangeAspect="1" noChangeArrowheads="1"/>
+          </p:cNvPicPr>
+          <p:nvPr>
+            <p:ph idx="1"/>
+          </p:nvPr>
+        </p:nvPicPr>
+        <p:blipFill>
+          <a:blip r:embed="rId2">
+            <a:extLst>
+              <a:ext uri="{28A0092B-C50C-407E-A947-70E740481C1C}">
+                <a14:useLocalDpi xmlns:a14="http://schemas.microsoft.com/office/drawing/2010/main" val="0"/>
+              </a:ext>
+            </a:extLst>
+          </a:blip>
+          <a:srcRect/>
+          <a:stretch>
+            <a:fillRect/>
+          </a:stretch>
+        </p:blipFill>
+        <p:spPr bwMode="auto">
+          <a:xfrm>
+            <a:off x="3592708" y="782320"/>
+            <a:ext cx="8251396" cy="5252719"/>
+          </a:xfrm>
+          <a:prstGeom prst="rect">
+            <a:avLst/>
+          </a:prstGeom>
+          <a:noFill/>
+          <a:extLst>
+            <a:ext uri="{909E8E84-426E-40DD-AFC4-6F175D3DCCD1}">
+              <a14:hiddenFill xmlns:a14="http://schemas.microsoft.com/office/drawing/2010/main">
+                <a:solidFill>
+                  <a:srgbClr val="FFFFFF"/>
+                </a:solidFill>
+              </a14:hiddenFill>
+            </a:ext>
+          </a:extLst>
+        </p:spPr>
+      </p:pic>
+    </p:spTree>
+    <p:extLst>
+      <p:ext uri="{BB962C8B-B14F-4D97-AF65-F5344CB8AC3E}">
+        <p14:creationId xmlns:p14="http://schemas.microsoft.com/office/powerpoint/2010/main" val="1205721315"/>
+      </p:ext>
+    </p:extLst>
+  </p:cSld>
+  <p:clrMapOvr>
+    <a:masterClrMapping/>
+  </p:clrMapOvr>
+</p:sld>
+</file>
+
+<file path=ppt/slides/slide5.xml><?xml version="1.0" encoding="utf-8"?>
+<p:sld xmlns:a="http://schemas.openxmlformats.org/drawingml/2006/main" xmlns:r="http://schemas.openxmlformats.org/officeDocument/2006/relationships" xmlns:p="http://schemas.openxmlformats.org/presentationml/2006/main">
+  <p:cSld>
+    <p:spTree>
+      <p:nvGrpSpPr>
+        <p:cNvPr id="1" name=""/>
+        <p:cNvGrpSpPr/>
+        <p:nvPr/>
+      </p:nvGrpSpPr>
+      <p:grpSpPr>
+        <a:xfrm>
+          <a:off x="0" y="0"/>
+          <a:ext cx="0" cy="0"/>
+          <a:chOff x="0" y="0"/>
+          <a:chExt cx="0" cy="0"/>
+        </a:xfrm>
+      </p:grpSpPr>
+      <p:sp>
+        <p:nvSpPr>
+          <p:cNvPr id="2" name="Title 1"/>
+          <p:cNvSpPr>
+            <a:spLocks noGrp="1"/>
+          </p:cNvSpPr>
+          <p:nvPr>
+            <p:ph type="title"/>
+          </p:nvPr>
+        </p:nvSpPr>
+        <p:spPr/>
+        <p:txBody>
+          <a:bodyPr/>
+          <a:lstStyle/>
+          <a:p>
+            <a:r>
+              <a:rPr lang="en-US" dirty="0"/>
+              <a:t>Popular Hashtags</a:t>
+            </a:r>
+          </a:p>
+        </p:txBody>
+      </p:sp>
+      <p:sp>
+        <p:nvSpPr>
+          <p:cNvPr id="4" name="Text Placeholder 3"/>
+          <p:cNvSpPr>
+            <a:spLocks noGrp="1"/>
+          </p:cNvSpPr>
+          <p:nvPr>
+            <p:ph type="body" sz="half" idx="2"/>
+          </p:nvPr>
+        </p:nvSpPr>
+        <p:spPr/>
+        <p:txBody>
+          <a:bodyPr/>
+          <a:lstStyle/>
+          <a:p>
+            <a:r>
+              <a:rPr lang="en-US" dirty="0"/>
+              <a:t>Visually, we used a Chart to determine on which word, more number of tweets were posted. The visualization is dynamics though, in which we used servlet to connect front end with code and it would be able to scale the Bubble Chart accordingly.</a:t>
+            </a:r>
+            <a:br>
+              <a:rPr lang="en-US" dirty="0"/>
+            </a:br>
+            <a:endParaRPr lang="en-US" dirty="0"/>
+          </a:p>
+          <a:p>
+            <a:endParaRPr lang="en-US" dirty="0"/>
+          </a:p>
+        </p:txBody>
+      </p:sp>
+      <p:pic>
+        <p:nvPicPr>
+          <p:cNvPr id="5122" name="Picture 2" descr="C:\Users\gattu\AppData\Local\Microsoft\Windows\INetCacheContent.Word\image (1).png"/>
+          <p:cNvPicPr>
+            <a:picLocks noGrp="1" noChangeAspect="1" noChangeArrowheads="1"/>
+          </p:cNvPicPr>
+          <p:nvPr>
+            <p:ph idx="1"/>
+          </p:nvPr>
+        </p:nvPicPr>
+        <p:blipFill>
+          <a:blip r:embed="rId2">
+            <a:extLst>
+              <a:ext uri="{28A0092B-C50C-407E-A947-70E740481C1C}">
+                <a14:useLocalDpi xmlns:a14="http://schemas.microsoft.com/office/drawing/2010/main" val="0"/>
+              </a:ext>
+            </a:extLst>
+          </a:blip>
+          <a:srcRect/>
+          <a:stretch>
+            <a:fillRect/>
+          </a:stretch>
+        </p:blipFill>
+        <p:spPr bwMode="auto">
+          <a:xfrm>
+            <a:off x="3703782" y="833120"/>
+            <a:ext cx="8488218" cy="5191760"/>
+          </a:xfrm>
+          <a:prstGeom prst="rect">
+            <a:avLst/>
+          </a:prstGeom>
+          <a:noFill/>
+          <a:extLst>
+            <a:ext uri="{909E8E84-426E-40DD-AFC4-6F175D3DCCD1}">
+              <a14:hiddenFill xmlns:a14="http://schemas.microsoft.com/office/drawing/2010/main">
+                <a:solidFill>
+                  <a:srgbClr val="FFFFFF"/>
+                </a:solidFill>
+              </a14:hiddenFill>
+            </a:ext>
+          </a:extLst>
+        </p:spPr>
+      </p:pic>
+    </p:spTree>
+    <p:extLst>
+      <p:ext uri="{BB962C8B-B14F-4D97-AF65-F5344CB8AC3E}">
+        <p14:creationId xmlns:p14="http://schemas.microsoft.com/office/powerpoint/2010/main" val="2671921330"/>
+      </p:ext>
+    </p:extLst>
+  </p:cSld>
+  <p:clrMapOvr>
+    <a:masterClrMapping/>
+  </p:clrMapOvr>
+</p:sld>
+</file>
+
+<file path=ppt/slides/slide6.xml><?xml version="1.0" encoding="utf-8"?>
+<p:sld xmlns:a="http://schemas.openxmlformats.org/drawingml/2006/main" xmlns:r="http://schemas.openxmlformats.org/officeDocument/2006/relationships" xmlns:p="http://schemas.openxmlformats.org/presentationml/2006/main">
+  <p:cSld>
+    <p:spTree>
+      <p:nvGrpSpPr>
+        <p:cNvPr id="1" name=""/>
+        <p:cNvGrpSpPr/>
+        <p:nvPr/>
+      </p:nvGrpSpPr>
+      <p:grpSpPr>
+        <a:xfrm>
+          <a:off x="0" y="0"/>
+          <a:ext cx="0" cy="0"/>
+          <a:chOff x="0" y="0"/>
+          <a:chExt cx="0" cy="0"/>
+        </a:xfrm>
+      </p:grpSpPr>
+      <p:sp>
+        <p:nvSpPr>
+          <p:cNvPr id="2" name="Title 1"/>
+          <p:cNvSpPr>
+            <a:spLocks noGrp="1"/>
+          </p:cNvSpPr>
+          <p:nvPr>
+            <p:ph type="title"/>
+          </p:nvPr>
+        </p:nvSpPr>
+        <p:spPr/>
+        <p:txBody>
+          <a:bodyPr/>
+          <a:lstStyle/>
+          <a:p>
+            <a:r>
+              <a:rPr lang="en-US" dirty="0"/>
+              <a:t>Tweets on different days of the week</a:t>
+            </a:r>
+          </a:p>
+        </p:txBody>
+      </p:sp>
+      <p:sp>
+        <p:nvSpPr>
+          <p:cNvPr id="4" name="Text Placeholder 3"/>
+          <p:cNvSpPr>
+            <a:spLocks noGrp="1"/>
+          </p:cNvSpPr>
+          <p:nvPr>
+            <p:ph type="body" sz="half" idx="2"/>
+          </p:nvPr>
+        </p:nvSpPr>
+        <p:spPr/>
+        <p:txBody>
+          <a:bodyPr/>
+          <a:lstStyle/>
+          <a:p>
+            <a:r>
+              <a:rPr lang="en-US" dirty="0"/>
+              <a:t>In this query, data is fetched based which day of week more tweets are done on Diseases. Initially created at is fetched from tweets file and count of tweets is done on each week of day.</a:t>
+            </a:r>
+          </a:p>
+          <a:p>
+            <a:endParaRPr lang="en-US" dirty="0"/>
+          </a:p>
+        </p:txBody>
+      </p:sp>
+      <p:pic>
+        <p:nvPicPr>
+          <p:cNvPr id="6146" name="Picture 2" descr="C:\Users\gattu\AppData\Local\Microsoft\Windows\INetCacheContent.Word\image (2).png"/>
+          <p:cNvPicPr>
+            <a:picLocks noGrp="1" noChangeAspect="1" noChangeArrowheads="1"/>
+          </p:cNvPicPr>
+          <p:nvPr>
+            <p:ph idx="1"/>
+          </p:nvPr>
+        </p:nvPicPr>
+        <p:blipFill>
+          <a:blip r:embed="rId2">
+            <a:extLst>
+              <a:ext uri="{28A0092B-C50C-407E-A947-70E740481C1C}">
+                <a14:useLocalDpi xmlns:a14="http://schemas.microsoft.com/office/drawing/2010/main" val="0"/>
+              </a:ext>
+            </a:extLst>
+          </a:blip>
+          <a:srcRect/>
+          <a:stretch>
+            <a:fillRect/>
+          </a:stretch>
+        </p:blipFill>
+        <p:spPr bwMode="auto">
+          <a:xfrm>
+            <a:off x="3572510" y="817016"/>
+            <a:ext cx="8536703" cy="5136744"/>
+          </a:xfrm>
+          <a:prstGeom prst="rect">
+            <a:avLst/>
+          </a:prstGeom>
+          <a:noFill/>
+          <a:extLst>
+            <a:ext uri="{909E8E84-426E-40DD-AFC4-6F175D3DCCD1}">
+              <a14:hiddenFill xmlns:a14="http://schemas.microsoft.com/office/drawing/2010/main">
+                <a:solidFill>
+                  <a:srgbClr val="FFFFFF"/>
+                </a:solidFill>
+              </a14:hiddenFill>
+            </a:ext>
+          </a:extLst>
+        </p:spPr>
+      </p:pic>
+    </p:spTree>
+    <p:extLst>
+      <p:ext uri="{BB962C8B-B14F-4D97-AF65-F5344CB8AC3E}">
+        <p14:creationId xmlns:p14="http://schemas.microsoft.com/office/powerpoint/2010/main" val="1562102057"/>
+      </p:ext>
+    </p:extLst>
+  </p:cSld>
+  <p:clrMapOvr>
+    <a:masterClrMapping/>
+  </p:clrMapOvr>
+</p:sld>
+</file>
+
+<file path=ppt/slides/slide7.xml><?xml version="1.0" encoding="utf-8"?>
+<p:sld xmlns:a="http://schemas.openxmlformats.org/drawingml/2006/main" xmlns:r="http://schemas.openxmlformats.org/officeDocument/2006/relationships" xmlns:p="http://schemas.openxmlformats.org/presentationml/2006/main">
+  <p:cSld>
+    <p:spTree>
+      <p:nvGrpSpPr>
+        <p:cNvPr id="1" name=""/>
+        <p:cNvGrpSpPr/>
+        <p:nvPr/>
+      </p:nvGrpSpPr>
+      <p:grpSpPr>
+        <a:xfrm>
+          <a:off x="0" y="0"/>
+          <a:ext cx="0" cy="0"/>
+          <a:chOff x="0" y="0"/>
+          <a:chExt cx="0" cy="0"/>
+        </a:xfrm>
+      </p:grpSpPr>
+      <p:sp>
+        <p:nvSpPr>
+          <p:cNvPr id="2" name="Title 1"/>
+          <p:cNvSpPr>
+            <a:spLocks noGrp="1"/>
+          </p:cNvSpPr>
+          <p:nvPr>
+            <p:ph type="title"/>
+          </p:nvPr>
+        </p:nvSpPr>
+        <p:spPr/>
+        <p:txBody>
+          <a:bodyPr/>
+          <a:lstStyle/>
+          <a:p>
+            <a:r>
+              <a:rPr lang="en-US" b="1" dirty="0"/>
+              <a:t>Top 10 Users</a:t>
+            </a:r>
+            <a:br>
+              <a:rPr lang="en-US" dirty="0"/>
+            </a:br>
+            <a:br>
+              <a:rPr lang="en-US" dirty="0"/>
+            </a:br>
+            <a:endParaRPr lang="en-US" dirty="0"/>
+          </a:p>
+        </p:txBody>
+      </p:sp>
+      <p:sp>
+        <p:nvSpPr>
+          <p:cNvPr id="4" name="Text Placeholder 3"/>
+          <p:cNvSpPr>
+            <a:spLocks noGrp="1"/>
+          </p:cNvSpPr>
+          <p:nvPr>
+            <p:ph type="body" sz="half" idx="2"/>
+          </p:nvPr>
+        </p:nvSpPr>
+        <p:spPr/>
+        <p:txBody>
+          <a:bodyPr/>
+          <a:lstStyle/>
+          <a:p>
+            <a:r>
+              <a:rPr lang="en-US" dirty="0"/>
+              <a:t>The top 10 users that tweeted on diseases.</a:t>
+            </a:r>
+          </a:p>
+          <a:p>
+            <a:r>
+              <a:rPr lang="en-US" dirty="0"/>
+              <a:t>For visualization we passed the </a:t>
+            </a:r>
+            <a:r>
+              <a:rPr lang="en-US" dirty="0" err="1"/>
+              <a:t>key,value</a:t>
+            </a:r>
+            <a:r>
+              <a:rPr lang="en-US" dirty="0"/>
+              <a:t> pairs to the JSP file and represented the data in a triangle.</a:t>
+            </a:r>
+          </a:p>
+          <a:p>
+            <a:endParaRPr lang="en-US" dirty="0"/>
+          </a:p>
+        </p:txBody>
+      </p:sp>
+      <p:pic>
+        <p:nvPicPr>
+          <p:cNvPr id="7170" name="Picture 2" descr="C:\Users\gattu\AppData\Local\Microsoft\Windows\INetCacheContent.Word\image (3).png"/>
+          <p:cNvPicPr>
+            <a:picLocks noGrp="1" noChangeAspect="1" noChangeArrowheads="1"/>
+          </p:cNvPicPr>
+          <p:nvPr>
+            <p:ph idx="1"/>
+          </p:nvPr>
+        </p:nvPicPr>
+        <p:blipFill>
+          <a:blip r:embed="rId2">
+            <a:extLst>
+              <a:ext uri="{28A0092B-C50C-407E-A947-70E740481C1C}">
+                <a14:useLocalDpi xmlns:a14="http://schemas.microsoft.com/office/drawing/2010/main" val="0"/>
+              </a:ext>
+            </a:extLst>
+          </a:blip>
+          <a:srcRect/>
+          <a:stretch>
+            <a:fillRect/>
+          </a:stretch>
+        </p:blipFill>
+        <p:spPr bwMode="auto">
+          <a:xfrm>
+            <a:off x="3542029" y="872896"/>
+            <a:ext cx="8518729" cy="5242560"/>
+          </a:xfrm>
+          <a:prstGeom prst="rect">
+            <a:avLst/>
+          </a:prstGeom>
+          <a:noFill/>
+          <a:extLst>
+            <a:ext uri="{909E8E84-426E-40DD-AFC4-6F175D3DCCD1}">
+              <a14:hiddenFill xmlns:a14="http://schemas.microsoft.com/office/drawing/2010/main">
+                <a:solidFill>
+                  <a:srgbClr val="FFFFFF"/>
+                </a:solidFill>
+              </a14:hiddenFill>
+            </a:ext>
+          </a:extLst>
+        </p:spPr>
+      </p:pic>
+    </p:spTree>
+    <p:extLst>
+      <p:ext uri="{BB962C8B-B14F-4D97-AF65-F5344CB8AC3E}">
+        <p14:creationId xmlns:p14="http://schemas.microsoft.com/office/powerpoint/2010/main" val="3973900761"/>
       </p:ext>
     </p:extLst>
   </p:cSld>
@@ -3016,110 +4220,58 @@
 </file>
 
 <file path=ppt/theme/theme1.xml><?xml version="1.0" encoding="utf-8"?>
-<a:theme xmlns:a="http://schemas.openxmlformats.org/drawingml/2006/main" name="Office Theme">
+<a:theme xmlns:a="http://schemas.openxmlformats.org/drawingml/2006/main" name="Frame">
   <a:themeElements>
-    <a:clrScheme name="Office">
+    <a:clrScheme name="Frame">
       <a:dk1>
-        <a:sysClr val="windowText" lastClr="000000"/>
+        <a:srgbClr val="000000"/>
       </a:dk1>
       <a:lt1>
-        <a:sysClr val="window" lastClr="FFFFFF"/>
+        <a:srgbClr val="FFFFFF"/>
       </a:lt1>
       <a:dk2>
-        <a:srgbClr val="44546A"/>
+        <a:srgbClr val="545454"/>
       </a:dk2>
       <a:lt2>
-        <a:srgbClr val="E7E6E6"/>
+        <a:srgbClr val="BFBFBF"/>
       </a:lt2>
       <a:accent1>
-        <a:srgbClr val="5B9BD5"/>
+        <a:srgbClr val="40BAD2"/>
       </a:accent1>
       <a:accent2>
-        <a:srgbClr val="ED7D31"/>
+        <a:srgbClr val="FAB900"/>
       </a:accent2>
       <a:accent3>
-        <a:srgbClr val="A5A5A5"/>
+        <a:srgbClr val="90BB23"/>
       </a:accent3>
       <a:accent4>
-        <a:srgbClr val="FFC000"/>
+        <a:srgbClr val="EE7008"/>
       </a:accent4>
       <a:accent5>
-        <a:srgbClr val="4472C4"/>
+        <a:srgbClr val="1AB39F"/>
       </a:accent5>
       <a:accent6>
-        <a:srgbClr val="70AD47"/>
+        <a:srgbClr val="D5393D"/>
       </a:accent6>
       <a:hlink>
-        <a:srgbClr val="0563C1"/>
+        <a:srgbClr val="90BB23"/>
       </a:hlink>
       <a:folHlink>
-        <a:srgbClr val="954F72"/>
+        <a:srgbClr val="EE7008"/>
       </a:folHlink>
     </a:clrScheme>
-    <a:fontScheme name="Office">
+    <a:fontScheme name="Frame">
       <a:majorFont>
-        <a:latin typeface="Calibri Light" panose="020F0302020204030204"/>
+        <a:latin typeface="Corbel" panose="020B0503020204020204"/>
         <a:ea typeface=""/>
         <a:cs typeface=""/>
-        <a:font script="Jpan" typeface="游ゴシック Light"/>
-        <a:font script="Hang" typeface="맑은 고딕"/>
-        <a:font script="Hans" typeface="等线 Light"/>
-        <a:font script="Hant" typeface="新細明體"/>
-        <a:font script="Arab" typeface="Times New Roman"/>
-        <a:font script="Hebr" typeface="Times New Roman"/>
-        <a:font script="Thai" typeface="Angsana New"/>
-        <a:font script="Ethi" typeface="Nyala"/>
-        <a:font script="Beng" typeface="Vrinda"/>
-        <a:font script="Gujr" typeface="Shruti"/>
-        <a:font script="Khmr" typeface="MoolBoran"/>
-        <a:font script="Knda" typeface="Tunga"/>
-        <a:font script="Guru" typeface="Raavi"/>
-        <a:font script="Cans" typeface="Euphemia"/>
-        <a:font script="Cher" typeface="Plantagenet Cherokee"/>
-        <a:font script="Yiii" typeface="Microsoft Yi Baiti"/>
-        <a:font script="Tibt" typeface="Microsoft Himalaya"/>
-        <a:font script="Thaa" typeface="MV Boli"/>
-        <a:font script="Deva" typeface="Mangal"/>
-        <a:font script="Telu" typeface="Gautami"/>
-        <a:font script="Taml" typeface="Latha"/>
-        <a:font script="Syrc" typeface="Estrangelo Edessa"/>
-        <a:font script="Orya" typeface="Kalinga"/>
-        <a:font script="Mlym" typeface="Kartika"/>
-        <a:font script="Laoo" typeface="DokChampa"/>
-        <a:font script="Sinh" typeface="Iskoola Pota"/>
-        <a:font script="Mong" typeface="Mongolian Baiti"/>
-        <a:font script="Viet" typeface="Times New Roman"/>
-        <a:font script="Uigh" typeface="Microsoft Uighur"/>
-        <a:font script="Geor" typeface="Sylfaen"/>
-        <a:font script="Armn" typeface="Arial"/>
-        <a:font script="Bugi" typeface="Leelawadee UI"/>
-        <a:font script="Bopo" typeface="Microsoft JhengHei"/>
-        <a:font script="Java" typeface="Javanese Text"/>
-        <a:font script="Lisu" typeface="Segoe UI"/>
-        <a:font script="Mymr" typeface="Myanmar Text"/>
-        <a:font script="Nkoo" typeface="Ebrima"/>
-        <a:font script="Olck" typeface="Nirmala UI"/>
-        <a:font script="Osma" typeface="Ebrima"/>
-        <a:font script="Phag" typeface="Phagspa"/>
-        <a:font script="Syrn" typeface="Estrangelo Edessa"/>
-        <a:font script="Syrj" typeface="Estrangelo Edessa"/>
-        <a:font script="Syre" typeface="Estrangelo Edessa"/>
-        <a:font script="Sora" typeface="Nirmala UI"/>
-        <a:font script="Tale" typeface="Microsoft Tai Le"/>
-        <a:font script="Talu" typeface="Microsoft New Tai Lue"/>
-        <a:font script="Tfng" typeface="Ebrima"/>
-      </a:majorFont>
-      <a:minorFont>
-        <a:latin typeface="Calibri" panose="020F0502020204030204"/>
-        <a:ea typeface=""/>
-        <a:cs typeface=""/>
-        <a:font script="Jpan" typeface="游ゴシック"/>
-        <a:font script="Hang" typeface="맑은 고딕"/>
-        <a:font script="Hans" typeface="等线"/>
-        <a:font script="Hant" typeface="新細明體"/>
-        <a:font script="Arab" typeface="Arial"/>
-        <a:font script="Hebr" typeface="Arial"/>
-        <a:font script="Thai" typeface="Cordia New"/>
+        <a:font script="Jpan" typeface="ＭＳ ゴシック"/>
+        <a:font script="Hang" typeface="HY중고딕"/>
+        <a:font script="Hans" typeface="幼圆"/>
+        <a:font script="Hant" typeface="微軟正黑體"/>
+        <a:font script="Arab" typeface="Tahoma"/>
+        <a:font script="Hebr" typeface="Gisha"/>
+        <a:font script="Thai" typeface="DilleniaUPC"/>
         <a:font script="Ethi" typeface="Nyala"/>
         <a:font script="Beng" typeface="Vrinda"/>
         <a:font script="Gujr" typeface="Shruti"/>
@@ -3140,107 +4292,85 @@
         <a:font script="Laoo" typeface="DokChampa"/>
         <a:font script="Sinh" typeface="Iskoola Pota"/>
         <a:font script="Mong" typeface="Mongolian Baiti"/>
-        <a:font script="Viet" typeface="Arial"/>
+        <a:font script="Viet" typeface="Tahoma"/>
         <a:font script="Uigh" typeface="Microsoft Uighur"/>
         <a:font script="Geor" typeface="Sylfaen"/>
-        <a:font script="Armn" typeface="Arial"/>
-        <a:font script="Bugi" typeface="Leelawadee UI"/>
-        <a:font script="Bopo" typeface="Microsoft JhengHei"/>
-        <a:font script="Java" typeface="Javanese Text"/>
-        <a:font script="Lisu" typeface="Segoe UI"/>
-        <a:font script="Mymr" typeface="Myanmar Text"/>
-        <a:font script="Nkoo" typeface="Ebrima"/>
-        <a:font script="Olck" typeface="Nirmala UI"/>
-        <a:font script="Osma" typeface="Ebrima"/>
-        <a:font script="Phag" typeface="Phagspa"/>
-        <a:font script="Syrn" typeface="Estrangelo Edessa"/>
-        <a:font script="Syrj" typeface="Estrangelo Edessa"/>
-        <a:font script="Syre" typeface="Estrangelo Edessa"/>
-        <a:font script="Sora" typeface="Nirmala UI"/>
-        <a:font script="Tale" typeface="Microsoft Tai Le"/>
-        <a:font script="Talu" typeface="Microsoft New Tai Lue"/>
-        <a:font script="Tfng" typeface="Ebrima"/>
+      </a:majorFont>
+      <a:minorFont>
+        <a:latin typeface="Corbel" panose="020B0503020204020204"/>
+        <a:ea typeface=""/>
+        <a:cs typeface=""/>
+        <a:font script="Jpan" typeface="ＭＳ ゴシック"/>
+        <a:font script="Hang" typeface="HY중고딕"/>
+        <a:font script="Hans" typeface="幼圆"/>
+        <a:font script="Hant" typeface="微軟正黑體"/>
+        <a:font script="Arab" typeface="Tahoma"/>
+        <a:font script="Hebr" typeface="Gisha"/>
+        <a:font script="Thai" typeface="DilleniaUPC"/>
+        <a:font script="Ethi" typeface="Nyala"/>
+        <a:font script="Beng" typeface="Vrinda"/>
+        <a:font script="Gujr" typeface="Shruti"/>
+        <a:font script="Khmr" typeface="DaunPenh"/>
+        <a:font script="Knda" typeface="Tunga"/>
+        <a:font script="Guru" typeface="Raavi"/>
+        <a:font script="Cans" typeface="Euphemia"/>
+        <a:font script="Cher" typeface="Plantagenet Cherokee"/>
+        <a:font script="Yiii" typeface="Microsoft Yi Baiti"/>
+        <a:font script="Tibt" typeface="Microsoft Himalaya"/>
+        <a:font script="Thaa" typeface="MV Boli"/>
+        <a:font script="Deva" typeface="Mangal"/>
+        <a:font script="Telu" typeface="Gautami"/>
+        <a:font script="Taml" typeface="Latha"/>
+        <a:font script="Syrc" typeface="Estrangelo Edessa"/>
+        <a:font script="Orya" typeface="Kalinga"/>
+        <a:font script="Mlym" typeface="Kartika"/>
+        <a:font script="Laoo" typeface="DokChampa"/>
+        <a:font script="Sinh" typeface="Iskoola Pota"/>
+        <a:font script="Mong" typeface="Mongolian Baiti"/>
+        <a:font script="Viet" typeface="Verdana"/>
+        <a:font script="Uigh" typeface="Microsoft Uighur"/>
+        <a:font script="Geor" typeface="Sylfaen"/>
       </a:minorFont>
     </a:fontScheme>
-    <a:fmtScheme name="Office">
+    <a:fmtScheme name="Frame">
       <a:fillStyleLst>
         <a:solidFill>
           <a:schemeClr val="phClr"/>
         </a:solidFill>
-        <a:gradFill rotWithShape="1">
-          <a:gsLst>
-            <a:gs pos="0">
-              <a:schemeClr val="phClr">
-                <a:lumMod val="110000"/>
-                <a:satMod val="105000"/>
-                <a:tint val="67000"/>
-              </a:schemeClr>
-            </a:gs>
-            <a:gs pos="50000">
-              <a:schemeClr val="phClr">
-                <a:lumMod val="105000"/>
-                <a:satMod val="103000"/>
-                <a:tint val="73000"/>
-              </a:schemeClr>
-            </a:gs>
-            <a:gs pos="100000">
-              <a:schemeClr val="phClr">
-                <a:lumMod val="105000"/>
-                <a:satMod val="109000"/>
-                <a:tint val="81000"/>
-              </a:schemeClr>
-            </a:gs>
-          </a:gsLst>
-          <a:lin ang="5400000" scaled="0"/>
-        </a:gradFill>
-        <a:gradFill rotWithShape="1">
-          <a:gsLst>
-            <a:gs pos="0">
-              <a:schemeClr val="phClr">
-                <a:satMod val="103000"/>
-                <a:lumMod val="102000"/>
-                <a:tint val="94000"/>
-              </a:schemeClr>
-            </a:gs>
-            <a:gs pos="50000">
-              <a:schemeClr val="phClr">
-                <a:satMod val="110000"/>
-                <a:lumMod val="100000"/>
-                <a:shade val="100000"/>
-              </a:schemeClr>
-            </a:gs>
-            <a:gs pos="100000">
-              <a:schemeClr val="phClr">
-                <a:lumMod val="99000"/>
-                <a:satMod val="120000"/>
-                <a:shade val="78000"/>
-              </a:schemeClr>
-            </a:gs>
-          </a:gsLst>
-          <a:lin ang="5400000" scaled="0"/>
-        </a:gradFill>
+        <a:solidFill>
+          <a:schemeClr val="phClr">
+            <a:tint val="65000"/>
+          </a:schemeClr>
+        </a:solidFill>
+        <a:solidFill>
+          <a:schemeClr val="phClr">
+            <a:shade val="80000"/>
+            <a:satMod val="150000"/>
+          </a:schemeClr>
+        </a:solidFill>
       </a:fillStyleLst>
       <a:lnStyleLst>
-        <a:ln w="6350" cap="flat" cmpd="sng" algn="ctr">
+        <a:ln w="9525" cap="flat" cmpd="sng" algn="ctr">
           <a:solidFill>
             <a:schemeClr val="phClr"/>
           </a:solidFill>
           <a:prstDash val="solid"/>
-          <a:miter lim="800000"/>
         </a:ln>
-        <a:ln w="12700" cap="flat" cmpd="sng" algn="ctr">
+        <a:ln w="10795" cap="flat" cmpd="sng" algn="ctr">
           <a:solidFill>
             <a:schemeClr val="phClr"/>
           </a:solidFill>
           <a:prstDash val="solid"/>
-          <a:miter lim="800000"/>
         </a:ln>
-        <a:ln w="19050" cap="flat" cmpd="sng" algn="ctr">
+        <a:ln w="17145" cap="flat" cmpd="sng" algn="ctr">
           <a:solidFill>
-            <a:schemeClr val="phClr"/>
+            <a:schemeClr val="phClr">
+              <a:shade val="95000"/>
+              <a:alpha val="50000"/>
+              <a:satMod val="150000"/>
+            </a:schemeClr>
           </a:solidFill>
           <a:prstDash val="solid"/>
-          <a:miter lim="800000"/>
         </a:ln>
       </a:lnStyleLst>
       <a:effectStyleLst>
@@ -3252,12 +4382,21 @@
         </a:effectStyle>
         <a:effectStyle>
           <a:effectLst>
-            <a:outerShdw blurRad="57150" dist="19050" dir="5400000" algn="ctr" rotWithShape="0">
+            <a:outerShdw blurRad="44450" dist="13970" dir="5400000" algn="ctr" rotWithShape="0">
               <a:srgbClr val="000000">
-                <a:alpha val="63000"/>
+                <a:alpha val="45000"/>
               </a:srgbClr>
             </a:outerShdw>
           </a:effectLst>
+          <a:scene3d>
+            <a:camera prst="orthographicFront">
+              <a:rot lat="0" lon="0" rev="0"/>
+            </a:camera>
+            <a:lightRig rig="twoPt" dir="tl"/>
+          </a:scene3d>
+          <a:sp3d prstMaterial="flat">
+            <a:bevelT w="12700" h="25400" prst="coolSlant"/>
+          </a:sp3d>
         </a:effectStyle>
       </a:effectStyleLst>
       <a:bgFillStyleLst>
@@ -3275,23 +4414,24 @@
             <a:gs pos="0">
               <a:schemeClr val="phClr">
                 <a:tint val="93000"/>
-                <a:satMod val="150000"/>
                 <a:shade val="98000"/>
+                <a:satMod val="120000"/>
                 <a:lumMod val="102000"/>
               </a:schemeClr>
             </a:gs>
-            <a:gs pos="50000">
+            <a:gs pos="48000">
               <a:schemeClr val="phClr">
                 <a:tint val="98000"/>
-                <a:satMod val="130000"/>
                 <a:shade val="90000"/>
+                <a:satMod val="110000"/>
                 <a:lumMod val="103000"/>
               </a:schemeClr>
             </a:gs>
             <a:gs pos="100000">
               <a:schemeClr val="phClr">
-                <a:shade val="63000"/>
-                <a:satMod val="120000"/>
+                <a:tint val="98000"/>
+                <a:shade val="80000"/>
+                <a:satMod val="100000"/>
               </a:schemeClr>
             </a:gs>
           </a:gsLst>
@@ -3304,7 +4444,7 @@
   <a:extraClrSchemeLst/>
   <a:extLst>
     <a:ext uri="{05A4C25C-085E-4340-85A3-A5531E510DB2}">
-      <thm15:themeFamily xmlns:thm15="http://schemas.microsoft.com/office/thememl/2012/main" name="Office Theme" id="{62F939B6-93AF-4DB8-9C6B-D6C7DFDC589F}" vid="{4A3C46E8-61CC-4603-A589-7422A47A8E4A}"/>
+      <thm15:themeFamily xmlns:thm15="http://schemas.microsoft.com/office/thememl/2012/main" name="Frame" id="{F226E7A2-7162-461C-9490-D27D9DC04E43}" vid="{629A0216-3BBD-45C0-B63F-2683BEA18F60}"/>
     </a:ext>
   </a:extLst>
 </a:theme>
